--- a/agentforum/agentforumguide.pptx
+++ b/agentforum/agentforumguide.pptx
@@ -106,6 +106,11 @@
       </a:defRPr>
     </a:lvl9pPr>
   </p:defaultTextStyle>
+  <p:extLst>
+    <p:ext uri="{EFAFB233-063F-42B5-8137-9DF3F51BA10A}">
+      <p15:sldGuideLst xmlns:p15="http://schemas.microsoft.com/office/powerpoint/2012/main"/>
+    </p:ext>
+  </p:extLst>
 </p:presentation>
 </file>
 
@@ -6074,7 +6079,7 @@
           <a:prstGeom prst="straightConnector1">
             <a:avLst/>
           </a:prstGeom>
-          <a:ln w="76200">
+          <a:ln w="38100">
             <a:solidFill>
               <a:srgbClr val="FFC000"/>
             </a:solidFill>
@@ -6126,8 +6131,8 @@
           <a:p>
             <a:r>
               <a:rPr lang="ko-KR" altLang="en-US" sz="1200" dirty="0">
-                <a:latin typeface="한컴 울주 천전리 각석체" panose="020B0503000000000000" pitchFamily="50" charset="-127"/>
-                <a:ea typeface="한컴 울주 천전리 각석체" panose="020B0503000000000000" pitchFamily="50" charset="-127"/>
+                <a:latin typeface="마루 부리OTF 조금굵은" panose="020B0600000101010101" pitchFamily="34" charset="-127"/>
+                <a:ea typeface="마루 부리OTF 조금굵은" panose="020B0600000101010101" pitchFamily="34" charset="-127"/>
               </a:rPr>
               <a:t>간단한 </a:t>
             </a:r>
@@ -6136,43 +6141,43 @@
                 <a:solidFill>
                   <a:srgbClr val="FFC000"/>
                 </a:solidFill>
-                <a:latin typeface="한컴 울주 천전리 각석체" panose="020B0503000000000000" pitchFamily="50" charset="-127"/>
-                <a:ea typeface="한컴 울주 천전리 각석체" panose="020B0503000000000000" pitchFamily="50" charset="-127"/>
+                <a:latin typeface="마루 부리OTF 조금굵은" panose="020B0600000101010101" pitchFamily="34" charset="-127"/>
+                <a:ea typeface="마루 부리OTF 조금굵은" panose="020B0600000101010101" pitchFamily="34" charset="-127"/>
               </a:rPr>
               <a:t>메모</a:t>
             </a:r>
             <a:r>
               <a:rPr lang="ko-KR" altLang="en-US" sz="1200" dirty="0">
-                <a:latin typeface="한컴 울주 천전리 각석체" panose="020B0503000000000000" pitchFamily="50" charset="-127"/>
-                <a:ea typeface="한컴 울주 천전리 각석체" panose="020B0503000000000000" pitchFamily="50" charset="-127"/>
+                <a:latin typeface="마루 부리OTF 조금굵은" panose="020B0600000101010101" pitchFamily="34" charset="-127"/>
+                <a:ea typeface="마루 부리OTF 조금굵은" panose="020B0600000101010101" pitchFamily="34" charset="-127"/>
               </a:rPr>
-              <a:t> 작성이 가능한 </a:t>
+              <a:t> 작성이 가능한 도구</a:t>
             </a:r>
             <a:r>
               <a:rPr lang="en-US" altLang="ko-KR" sz="1200" dirty="0">
-                <a:latin typeface="한컴 울주 천전리 각석체" panose="020B0503000000000000" pitchFamily="50" charset="-127"/>
-                <a:ea typeface="한컴 울주 천전리 각석체" panose="020B0503000000000000" pitchFamily="50" charset="-127"/>
+                <a:latin typeface="마루 부리OTF 조금굵은" panose="020B0600000101010101" pitchFamily="34" charset="-127"/>
+                <a:ea typeface="마루 부리OTF 조금굵은" panose="020B0600000101010101" pitchFamily="34" charset="-127"/>
               </a:rPr>
-              <a:t>tool </a:t>
+              <a:t> </a:t>
             </a:r>
             <a:r>
               <a:rPr lang="ko-KR" altLang="en-US" sz="1200" dirty="0">
-                <a:latin typeface="한컴 울주 천전리 각석체" panose="020B0503000000000000" pitchFamily="50" charset="-127"/>
-                <a:ea typeface="한컴 울주 천전리 각석체" panose="020B0503000000000000" pitchFamily="50" charset="-127"/>
+                <a:latin typeface="마루 부리OTF 조금굵은" panose="020B0600000101010101" pitchFamily="34" charset="-127"/>
+                <a:ea typeface="마루 부리OTF 조금굵은" panose="020B0600000101010101" pitchFamily="34" charset="-127"/>
               </a:rPr>
               <a:t>입니다</a:t>
             </a:r>
             <a:r>
               <a:rPr lang="en-US" altLang="ko-KR" sz="1200" dirty="0">
-                <a:latin typeface="한컴 울주 천전리 각석체" panose="020B0503000000000000" pitchFamily="50" charset="-127"/>
-                <a:ea typeface="한컴 울주 천전리 각석체" panose="020B0503000000000000" pitchFamily="50" charset="-127"/>
+                <a:latin typeface="마루 부리OTF 조금굵은" panose="020B0600000101010101" pitchFamily="34" charset="-127"/>
+                <a:ea typeface="마루 부리OTF 조금굵은" panose="020B0600000101010101" pitchFamily="34" charset="-127"/>
               </a:rPr>
               <a:t>. </a:t>
             </a:r>
             <a:br>
               <a:rPr lang="en-US" altLang="ko-KR" sz="1200" dirty="0">
-                <a:latin typeface="한컴 울주 천전리 각석체" panose="020B0503000000000000" pitchFamily="50" charset="-127"/>
-                <a:ea typeface="한컴 울주 천전리 각석체" panose="020B0503000000000000" pitchFamily="50" charset="-127"/>
+                <a:latin typeface="마루 부리OTF 조금굵은" panose="020B0600000101010101" pitchFamily="34" charset="-127"/>
+                <a:ea typeface="마루 부리OTF 조금굵은" panose="020B0600000101010101" pitchFamily="34" charset="-127"/>
               </a:rPr>
             </a:br>
             <a:r>
@@ -6180,8 +6185,8 @@
                 <a:solidFill>
                   <a:srgbClr val="FF0000"/>
                 </a:solidFill>
-                <a:latin typeface="한컴 울주 천전리 각석체" panose="020B0503000000000000" pitchFamily="50" charset="-127"/>
-                <a:ea typeface="한컴 울주 천전리 각석체" panose="020B0503000000000000" pitchFamily="50" charset="-127"/>
+                <a:latin typeface="마루 부리OTF 조금굵은" panose="020B0600000101010101" pitchFamily="34" charset="-127"/>
+                <a:ea typeface="마루 부리OTF 조금굵은" panose="020B0600000101010101" pitchFamily="34" charset="-127"/>
               </a:rPr>
               <a:t>단</a:t>
             </a:r>
@@ -6190,28 +6195,28 @@
                 <a:solidFill>
                   <a:srgbClr val="FF0000"/>
                 </a:solidFill>
-                <a:latin typeface="한컴 울주 천전리 각석체" panose="020B0503000000000000" pitchFamily="50" charset="-127"/>
-                <a:ea typeface="한컴 울주 천전리 각석체" panose="020B0503000000000000" pitchFamily="50" charset="-127"/>
+                <a:latin typeface="마루 부리OTF 조금굵은" panose="020B0600000101010101" pitchFamily="34" charset="-127"/>
+                <a:ea typeface="마루 부리OTF 조금굵은" panose="020B0600000101010101" pitchFamily="34" charset="-127"/>
               </a:rPr>
               <a:t>,</a:t>
             </a:r>
             <a:r>
               <a:rPr lang="ko-KR" altLang="en-US" sz="1200" dirty="0">
-                <a:latin typeface="한컴 울주 천전리 각석체" panose="020B0503000000000000" pitchFamily="50" charset="-127"/>
-                <a:ea typeface="한컴 울주 천전리 각석체" panose="020B0503000000000000" pitchFamily="50" charset="-127"/>
+                <a:latin typeface="마루 부리OTF 조금굵은" panose="020B0600000101010101" pitchFamily="34" charset="-127"/>
+                <a:ea typeface="마루 부리OTF 조금굵은" panose="020B0600000101010101" pitchFamily="34" charset="-127"/>
               </a:rPr>
               <a:t>인터넷 캐쉬 삭제나 인터넷 기록 삭제 등 하실 경우  해당 데이터가 소멸됩니다</a:t>
             </a:r>
             <a:r>
               <a:rPr lang="en-US" altLang="ko-KR" sz="1200" dirty="0">
-                <a:latin typeface="한컴 울주 천전리 각석체" panose="020B0503000000000000" pitchFamily="50" charset="-127"/>
-                <a:ea typeface="한컴 울주 천전리 각석체" panose="020B0503000000000000" pitchFamily="50" charset="-127"/>
+                <a:latin typeface="마루 부리OTF 조금굵은" panose="020B0600000101010101" pitchFamily="34" charset="-127"/>
+                <a:ea typeface="마루 부리OTF 조금굵은" panose="020B0600000101010101" pitchFamily="34" charset="-127"/>
               </a:rPr>
               <a:t>.</a:t>
             </a:r>
             <a:endParaRPr lang="ko-KR" altLang="en-US" sz="1200" dirty="0">
-              <a:latin typeface="한컴 울주 천전리 각석체" panose="020B0503000000000000" pitchFamily="50" charset="-127"/>
-              <a:ea typeface="한컴 울주 천전리 각석체" panose="020B0503000000000000" pitchFamily="50" charset="-127"/>
+              <a:latin typeface="마루 부리OTF 조금굵은" panose="020B0600000101010101" pitchFamily="34" charset="-127"/>
+              <a:ea typeface="마루 부리OTF 조금굵은" panose="020B0600000101010101" pitchFamily="34" charset="-127"/>
             </a:endParaRPr>
           </a:p>
         </p:txBody>
@@ -6237,7 +6242,7 @@
             <a:avLst/>
           </a:prstGeom>
           <a:noFill/>
-          <a:ln w="76200">
+          <a:ln w="38100">
             <a:solidFill>
               <a:srgbClr val="FFC000"/>
             </a:solidFill>
@@ -6356,15 +6361,15 @@
         </p:nvCxnSpPr>
         <p:spPr>
           <a:xfrm flipV="1">
-            <a:off x="5366327" y="1967345"/>
-            <a:ext cx="1921164" cy="1810328"/>
+            <a:off x="3006435" y="720436"/>
+            <a:ext cx="3221759" cy="2623128"/>
           </a:xfrm>
           <a:prstGeom prst="bentConnector3">
             <a:avLst>
-              <a:gd name="adj1" fmla="val 50000"/>
+              <a:gd name="adj1" fmla="val -744"/>
             </a:avLst>
           </a:prstGeom>
-          <a:ln w="76200">
+          <a:ln w="38100">
             <a:solidFill>
               <a:srgbClr val="FFC000"/>
             </a:solidFill>
@@ -6400,14 +6405,14 @@
         </p:nvSpPr>
         <p:spPr>
           <a:xfrm>
-            <a:off x="646545" y="3343564"/>
-            <a:ext cx="4719781" cy="979054"/>
+            <a:off x="646546" y="3343564"/>
+            <a:ext cx="4673600" cy="979054"/>
           </a:xfrm>
           <a:prstGeom prst="rect">
             <a:avLst/>
           </a:prstGeom>
           <a:noFill/>
-          <a:ln w="76200">
+          <a:ln w="38100">
             <a:solidFill>
               <a:srgbClr val="FFC000"/>
             </a:solidFill>
@@ -6452,8 +6457,8 @@
         </p:nvSpPr>
         <p:spPr>
           <a:xfrm>
-            <a:off x="7462982" y="1043713"/>
-            <a:ext cx="4322618" cy="5078313"/>
+            <a:off x="6228194" y="1386268"/>
+            <a:ext cx="4218133" cy="4893647"/>
           </a:xfrm>
           <a:prstGeom prst="rect">
             <a:avLst/>
@@ -6468,87 +6473,24 @@
           <a:p>
             <a:r>
               <a:rPr lang="ko-KR" altLang="en-US" sz="1200" dirty="0">
-                <a:latin typeface="한컴 울주 천전리 각석체" panose="020B0503000000000000" pitchFamily="50" charset="-127"/>
-                <a:ea typeface="한컴 울주 천전리 각석체" panose="020B0503000000000000" pitchFamily="50" charset="-127"/>
+                <a:solidFill>
+                  <a:srgbClr val="FF0000"/>
+                </a:solidFill>
+                <a:latin typeface="마루 부리OTF 조금굵은" panose="020B0600000101010101" pitchFamily="34" charset="-127"/>
+                <a:ea typeface="마루 부리OTF 조금굵은" panose="020B0600000101010101" pitchFamily="34" charset="-127"/>
               </a:rPr>
-              <a:t>표시된 공간박스 안에 고객 문의를 넣을 경우 </a:t>
-            </a:r>
-            <a:r>
-              <a:rPr lang="en-US" altLang="ko-KR" sz="1200" dirty="0">
-                <a:latin typeface="한컴 울주 천전리 각석체" panose="020B0503000000000000" pitchFamily="50" charset="-127"/>
-                <a:ea typeface="한컴 울주 천전리 각석체" panose="020B0503000000000000" pitchFamily="50" charset="-127"/>
-              </a:rPr>
-              <a:t>,</a:t>
+              <a:t>주의사항 </a:t>
             </a:r>
             <a:br>
               <a:rPr lang="en-US" altLang="ko-KR" sz="1200" dirty="0">
-                <a:latin typeface="한컴 울주 천전리 각석체" panose="020B0503000000000000" pitchFamily="50" charset="-127"/>
-                <a:ea typeface="한컴 울주 천전리 각석체" panose="020B0503000000000000" pitchFamily="50" charset="-127"/>
+                <a:latin typeface="마루 부리OTF 조금굵은" panose="020B0600000101010101" pitchFamily="34" charset="-127"/>
+                <a:ea typeface="마루 부리OTF 조금굵은" panose="020B0600000101010101" pitchFamily="34" charset="-127"/>
               </a:rPr>
             </a:br>
-            <a:r>
-              <a:rPr lang="ko-KR" altLang="en-US" sz="1200" dirty="0">
-                <a:latin typeface="한컴 울주 천전리 각석체" panose="020B0503000000000000" pitchFamily="50" charset="-127"/>
-                <a:ea typeface="한컴 울주 천전리 각석체" panose="020B0503000000000000" pitchFamily="50" charset="-127"/>
-              </a:rPr>
-              <a:t>하단에 위치한  📪 </a:t>
-            </a:r>
-            <a:r>
-              <a:rPr lang="ko-KR" altLang="en-US" sz="1200" dirty="0">
-                <a:solidFill>
-                  <a:srgbClr val="FFC000"/>
-                </a:solidFill>
-                <a:latin typeface="한컴 울주 천전리 각석체" panose="020B0503000000000000" pitchFamily="50" charset="-127"/>
-                <a:ea typeface="한컴 울주 천전리 각석체" panose="020B0503000000000000" pitchFamily="50" charset="-127"/>
-              </a:rPr>
-              <a:t>응답결과</a:t>
-            </a:r>
-            <a:r>
-              <a:rPr lang="ko-KR" altLang="en-US" sz="1200" dirty="0">
-                <a:latin typeface="한컴 울주 천전리 각석체" panose="020B0503000000000000" pitchFamily="50" charset="-127"/>
-                <a:ea typeface="한컴 울주 천전리 각석체" panose="020B0503000000000000" pitchFamily="50" charset="-127"/>
-              </a:rPr>
-              <a:t>에 고객 답변이 도출됩니다</a:t>
-            </a:r>
-            <a:r>
-              <a:rPr lang="en-US" altLang="ko-KR" sz="1200" dirty="0">
-                <a:latin typeface="한컴 울주 천전리 각석체" panose="020B0503000000000000" pitchFamily="50" charset="-127"/>
-                <a:ea typeface="한컴 울주 천전리 각석체" panose="020B0503000000000000" pitchFamily="50" charset="-127"/>
-              </a:rPr>
-              <a:t>. </a:t>
-            </a:r>
-          </a:p>
-          <a:p>
-            <a:endParaRPr lang="en-US" altLang="ko-KR" sz="1200" dirty="0">
-              <a:latin typeface="한컴 울주 천전리 각석체" panose="020B0503000000000000" pitchFamily="50" charset="-127"/>
-              <a:ea typeface="한컴 울주 천전리 각석체" panose="020B0503000000000000" pitchFamily="50" charset="-127"/>
-            </a:endParaRPr>
-          </a:p>
-          <a:p>
-            <a:r>
-              <a:rPr lang="ko-KR" altLang="en-US" sz="1200" dirty="0">
-                <a:solidFill>
-                  <a:srgbClr val="FF0000"/>
-                </a:solidFill>
-                <a:latin typeface="한컴 울주 천전리 각석체" panose="020B0503000000000000" pitchFamily="50" charset="-127"/>
-                <a:ea typeface="한컴 울주 천전리 각석체" panose="020B0503000000000000" pitchFamily="50" charset="-127"/>
-              </a:rPr>
-              <a:t>단</a:t>
-            </a:r>
-            <a:r>
-              <a:rPr lang="en-US" altLang="ko-KR" sz="1200" dirty="0">
-                <a:solidFill>
-                  <a:srgbClr val="FF0000"/>
-                </a:solidFill>
-                <a:latin typeface="한컴 울주 천전리 각석체" panose="020B0503000000000000" pitchFamily="50" charset="-127"/>
-                <a:ea typeface="한컴 울주 천전리 각석체" panose="020B0503000000000000" pitchFamily="50" charset="-127"/>
-              </a:rPr>
-              <a:t>,</a:t>
-            </a:r>
             <a:br>
               <a:rPr lang="en-US" altLang="ko-KR" sz="1200" dirty="0">
-                <a:latin typeface="한컴 울주 천전리 각석체" panose="020B0503000000000000" pitchFamily="50" charset="-127"/>
-                <a:ea typeface="한컴 울주 천전리 각석체" panose="020B0503000000000000" pitchFamily="50" charset="-127"/>
+                <a:latin typeface="마루 부리OTF 조금굵은" panose="020B0600000101010101" pitchFamily="34" charset="-127"/>
+                <a:ea typeface="마루 부리OTF 조금굵은" panose="020B0600000101010101" pitchFamily="34" charset="-127"/>
               </a:rPr>
             </a:br>
             <a:r>
@@ -6558,8 +6500,8 @@
                     <a:lumMod val="95000"/>
                   </a:schemeClr>
                 </a:solidFill>
-                <a:latin typeface="한컴 울주 천전리 각석체" panose="020B0503000000000000" pitchFamily="50" charset="-127"/>
-                <a:ea typeface="한컴 울주 천전리 각석체" panose="020B0503000000000000" pitchFamily="50" charset="-127"/>
+                <a:latin typeface="마루 부리OTF 조금굵은" panose="020B0600000101010101" pitchFamily="34" charset="-127"/>
+                <a:ea typeface="마루 부리OTF 조금굵은" panose="020B0600000101010101" pitchFamily="34" charset="-127"/>
               </a:rPr>
               <a:t>X50master</a:t>
             </a:r>
@@ -6570,8 +6512,8 @@
                     <a:lumMod val="95000"/>
                   </a:schemeClr>
                 </a:solidFill>
-                <a:latin typeface="한컴 울주 천전리 각석체" panose="020B0503000000000000" pitchFamily="50" charset="-127"/>
-                <a:ea typeface="한컴 울주 천전리 각석체" panose="020B0503000000000000" pitchFamily="50" charset="-127"/>
+                <a:latin typeface="마루 부리OTF 조금굵은" panose="020B0600000101010101" pitchFamily="34" charset="-127"/>
+                <a:ea typeface="마루 부리OTF 조금굵은" panose="020B0600000101010101" pitchFamily="34" charset="-127"/>
               </a:rPr>
             </a:br>
             <a:r>
@@ -6581,8 +6523,8 @@
                     <a:lumMod val="95000"/>
                   </a:schemeClr>
                 </a:solidFill>
-                <a:latin typeface="한컴 울주 천전리 각석체" panose="020B0503000000000000" pitchFamily="50" charset="-127"/>
-                <a:ea typeface="한컴 울주 천전리 각석체" panose="020B0503000000000000" pitchFamily="50" charset="-127"/>
+                <a:latin typeface="마루 부리OTF 조금굵은" panose="020B0600000101010101" pitchFamily="34" charset="-127"/>
+                <a:ea typeface="마루 부리OTF 조금굵은" panose="020B0600000101010101" pitchFamily="34" charset="-127"/>
               </a:rPr>
               <a:t>X50Ultra</a:t>
             </a:r>
@@ -6593,8 +6535,8 @@
                     <a:lumMod val="95000"/>
                   </a:schemeClr>
                 </a:solidFill>
-                <a:latin typeface="한컴 울주 천전리 각석체" panose="020B0503000000000000" pitchFamily="50" charset="-127"/>
-                <a:ea typeface="한컴 울주 천전리 각석체" panose="020B0503000000000000" pitchFamily="50" charset="-127"/>
+                <a:latin typeface="마루 부리OTF 조금굵은" panose="020B0600000101010101" pitchFamily="34" charset="-127"/>
+                <a:ea typeface="마루 부리OTF 조금굵은" panose="020B0600000101010101" pitchFamily="34" charset="-127"/>
               </a:rPr>
             </a:br>
             <a:r>
@@ -6604,8 +6546,8 @@
                     <a:lumMod val="95000"/>
                   </a:schemeClr>
                 </a:solidFill>
-                <a:latin typeface="한컴 울주 천전리 각석체" panose="020B0503000000000000" pitchFamily="50" charset="-127"/>
-                <a:ea typeface="한컴 울주 천전리 각석체" panose="020B0503000000000000" pitchFamily="50" charset="-127"/>
+                <a:latin typeface="마루 부리OTF 조금굵은" panose="020B0600000101010101" pitchFamily="34" charset="-127"/>
+                <a:ea typeface="마루 부리OTF 조금굵은" panose="020B0600000101010101" pitchFamily="34" charset="-127"/>
               </a:rPr>
               <a:t>X40Ultra</a:t>
             </a:r>
@@ -6616,8 +6558,8 @@
                     <a:lumMod val="95000"/>
                   </a:schemeClr>
                 </a:solidFill>
-                <a:latin typeface="한컴 울주 천전리 각석체" panose="020B0503000000000000" pitchFamily="50" charset="-127"/>
-                <a:ea typeface="한컴 울주 천전리 각석체" panose="020B0503000000000000" pitchFamily="50" charset="-127"/>
+                <a:latin typeface="마루 부리OTF 조금굵은" panose="020B0600000101010101" pitchFamily="34" charset="-127"/>
+                <a:ea typeface="마루 부리OTF 조금굵은" panose="020B0600000101010101" pitchFamily="34" charset="-127"/>
               </a:rPr>
             </a:br>
             <a:r>
@@ -6627,8 +6569,8 @@
                     <a:lumMod val="95000"/>
                   </a:schemeClr>
                 </a:solidFill>
-                <a:latin typeface="한컴 울주 천전리 각석체" panose="020B0503000000000000" pitchFamily="50" charset="-127"/>
-                <a:ea typeface="한컴 울주 천전리 각석체" panose="020B0503000000000000" pitchFamily="50" charset="-127"/>
+                <a:latin typeface="마루 부리OTF 조금굵은" panose="020B0600000101010101" pitchFamily="34" charset="-127"/>
+                <a:ea typeface="마루 부리OTF 조금굵은" panose="020B0600000101010101" pitchFamily="34" charset="-127"/>
               </a:rPr>
               <a:t>L20Ultra</a:t>
             </a:r>
@@ -6639,8 +6581,8 @@
                     <a:lumMod val="95000"/>
                   </a:schemeClr>
                 </a:solidFill>
-                <a:latin typeface="한컴 울주 천전리 각석체" panose="020B0503000000000000" pitchFamily="50" charset="-127"/>
-                <a:ea typeface="한컴 울주 천전리 각석체" panose="020B0503000000000000" pitchFamily="50" charset="-127"/>
+                <a:latin typeface="마루 부리OTF 조금굵은" panose="020B0600000101010101" pitchFamily="34" charset="-127"/>
+                <a:ea typeface="마루 부리OTF 조금굵은" panose="020B0600000101010101" pitchFamily="34" charset="-127"/>
               </a:rPr>
             </a:br>
             <a:r>
@@ -6650,8 +6592,8 @@
                     <a:lumMod val="95000"/>
                   </a:schemeClr>
                 </a:solidFill>
-                <a:latin typeface="한컴 울주 천전리 각석체" panose="020B0503000000000000" pitchFamily="50" charset="-127"/>
-                <a:ea typeface="한컴 울주 천전리 각석체" panose="020B0503000000000000" pitchFamily="50" charset="-127"/>
+                <a:latin typeface="마루 부리OTF 조금굵은" panose="020B0600000101010101" pitchFamily="34" charset="-127"/>
+                <a:ea typeface="마루 부리OTF 조금굵은" panose="020B0600000101010101" pitchFamily="34" charset="-127"/>
               </a:rPr>
               <a:t>L10s</a:t>
             </a:r>
@@ -6662,8 +6604,8 @@
                     <a:lumMod val="95000"/>
                   </a:schemeClr>
                 </a:solidFill>
-                <a:latin typeface="한컴 울주 천전리 각석체" panose="020B0503000000000000" pitchFamily="50" charset="-127"/>
-                <a:ea typeface="한컴 울주 천전리 각석체" panose="020B0503000000000000" pitchFamily="50" charset="-127"/>
+                <a:latin typeface="마루 부리OTF 조금굵은" panose="020B0600000101010101" pitchFamily="34" charset="-127"/>
+                <a:ea typeface="마루 부리OTF 조금굵은" panose="020B0600000101010101" pitchFamily="34" charset="-127"/>
               </a:rPr>
               <a:t>히트</a:t>
             </a:r>
@@ -6674,8 +6616,8 @@
                     <a:lumMod val="95000"/>
                   </a:schemeClr>
                 </a:solidFill>
-                <a:latin typeface="한컴 울주 천전리 각석체" panose="020B0503000000000000" pitchFamily="50" charset="-127"/>
-                <a:ea typeface="한컴 울주 천전리 각석체" panose="020B0503000000000000" pitchFamily="50" charset="-127"/>
+                <a:latin typeface="마루 부리OTF 조금굵은" panose="020B0600000101010101" pitchFamily="34" charset="-127"/>
+                <a:ea typeface="마루 부리OTF 조금굵은" panose="020B0600000101010101" pitchFamily="34" charset="-127"/>
               </a:rPr>
             </a:br>
             <a:r>
@@ -6685,8 +6627,8 @@
                     <a:lumMod val="95000"/>
                   </a:schemeClr>
                 </a:solidFill>
-                <a:latin typeface="한컴 울주 천전리 각석체" panose="020B0503000000000000" pitchFamily="50" charset="-127"/>
-                <a:ea typeface="한컴 울주 천전리 각석체" panose="020B0503000000000000" pitchFamily="50" charset="-127"/>
+                <a:latin typeface="마루 부리OTF 조금굵은" panose="020B0600000101010101" pitchFamily="34" charset="-127"/>
+                <a:ea typeface="마루 부리OTF 조금굵은" panose="020B0600000101010101" pitchFamily="34" charset="-127"/>
               </a:rPr>
               <a:t>L10Prime</a:t>
             </a:r>
@@ -6697,8 +6639,8 @@
                     <a:lumMod val="95000"/>
                   </a:schemeClr>
                 </a:solidFill>
-                <a:latin typeface="한컴 울주 천전리 각석체" panose="020B0503000000000000" pitchFamily="50" charset="-127"/>
-                <a:ea typeface="한컴 울주 천전리 각석체" panose="020B0503000000000000" pitchFamily="50" charset="-127"/>
+                <a:latin typeface="마루 부리OTF 조금굵은" panose="020B0600000101010101" pitchFamily="34" charset="-127"/>
+                <a:ea typeface="마루 부리OTF 조금굵은" panose="020B0600000101010101" pitchFamily="34" charset="-127"/>
               </a:rPr>
             </a:br>
             <a:r>
@@ -6708,8 +6650,8 @@
                     <a:lumMod val="95000"/>
                   </a:schemeClr>
                 </a:solidFill>
-                <a:latin typeface="한컴 울주 천전리 각석체" panose="020B0503000000000000" pitchFamily="50" charset="-127"/>
-                <a:ea typeface="한컴 울주 천전리 각석체" panose="020B0503000000000000" pitchFamily="50" charset="-127"/>
+                <a:latin typeface="마루 부리OTF 조금굵은" panose="020B0600000101010101" pitchFamily="34" charset="-127"/>
+                <a:ea typeface="마루 부리OTF 조금굵은" panose="020B0600000101010101" pitchFamily="34" charset="-127"/>
               </a:rPr>
               <a:t>W10Pro</a:t>
             </a:r>
@@ -6722,8 +6664,8 @@
                     <a:lumMod val="95000"/>
                   </a:schemeClr>
                 </a:solidFill>
-                <a:latin typeface="한컴 울주 천전리 각석체" panose="020B0503000000000000" pitchFamily="50" charset="-127"/>
-                <a:ea typeface="한컴 울주 천전리 각석체" panose="020B0503000000000000" pitchFamily="50" charset="-127"/>
+                <a:latin typeface="마루 부리OTF 조금굵은" panose="020B0600000101010101" pitchFamily="34" charset="-127"/>
+                <a:ea typeface="마루 부리OTF 조금굵은" panose="020B0600000101010101" pitchFamily="34" charset="-127"/>
               </a:rPr>
               <a:t>프로푸트라</a:t>
             </a:r>
@@ -6733,8 +6675,8 @@
                   <a:lumMod val="95000"/>
                 </a:schemeClr>
               </a:solidFill>
-              <a:latin typeface="한컴 울주 천전리 각석체" panose="020B0503000000000000" pitchFamily="50" charset="-127"/>
-              <a:ea typeface="한컴 울주 천전리 각석체" panose="020B0503000000000000" pitchFamily="50" charset="-127"/>
+              <a:latin typeface="마루 부리OTF 조금굵은" panose="020B0600000101010101" pitchFamily="34" charset="-127"/>
+              <a:ea typeface="마루 부리OTF 조금굵은" panose="020B0600000101010101" pitchFamily="34" charset="-127"/>
             </a:endParaRPr>
           </a:p>
           <a:p>
@@ -6745,8 +6687,8 @@
                     <a:lumMod val="95000"/>
                   </a:schemeClr>
                 </a:solidFill>
-                <a:latin typeface="한컴 울주 천전리 각석체" panose="020B0503000000000000" pitchFamily="50" charset="-127"/>
-                <a:ea typeface="한컴 울주 천전리 각석체" panose="020B0503000000000000" pitchFamily="50" charset="-127"/>
+                <a:latin typeface="마루 부리OTF 조금굵은" panose="020B0600000101010101" pitchFamily="34" charset="-127"/>
+                <a:ea typeface="마루 부리OTF 조금굵은" panose="020B0600000101010101" pitchFamily="34" charset="-127"/>
               </a:rPr>
               <a:t>프로누트라</a:t>
             </a:r>
@@ -6757,312 +6699,302 @@
                     <a:lumMod val="95000"/>
                   </a:schemeClr>
                 </a:solidFill>
-                <a:latin typeface="한컴 울주 천전리 각석체" panose="020B0503000000000000" pitchFamily="50" charset="-127"/>
-                <a:ea typeface="한컴 울주 천전리 각석체" panose="020B0503000000000000" pitchFamily="50" charset="-127"/>
+                <a:latin typeface="마루 부리OTF 조금굵은" panose="020B0600000101010101" pitchFamily="34" charset="-127"/>
+                <a:ea typeface="마루 부리OTF 조금굵은" panose="020B0600000101010101" pitchFamily="34" charset="-127"/>
               </a:rPr>
               <a:t> </a:t>
             </a:r>
+            <a:r>
+              <a:rPr lang="ko-KR" altLang="en-US" sz="1200" dirty="0">
+                <a:latin typeface="마루 부리OTF 조금굵은" panose="020B0600000101010101" pitchFamily="34" charset="-127"/>
+                <a:ea typeface="마루 부리OTF 조금굵은" panose="020B0600000101010101" pitchFamily="34" charset="-127"/>
+              </a:rPr>
+              <a:t>등</a:t>
+            </a:r>
+            <a:endParaRPr lang="en-US" altLang="ko-KR" sz="1200" dirty="0">
+              <a:latin typeface="마루 부리OTF 조금굵은" panose="020B0600000101010101" pitchFamily="34" charset="-127"/>
+              <a:ea typeface="마루 부리OTF 조금굵은" panose="020B0600000101010101" pitchFamily="34" charset="-127"/>
+            </a:endParaRPr>
+          </a:p>
+          <a:p>
             <a:endParaRPr lang="en-US" altLang="ko-KR" sz="1200" dirty="0">
               <a:solidFill>
                 <a:schemeClr val="tx1">
                   <a:lumMod val="95000"/>
                 </a:schemeClr>
               </a:solidFill>
-              <a:latin typeface="한컴 울주 천전리 각석체" panose="020B0503000000000000" pitchFamily="50" charset="-127"/>
-              <a:ea typeface="한컴 울주 천전리 각석체" panose="020B0503000000000000" pitchFamily="50" charset="-127"/>
+              <a:latin typeface="마루 부리OTF 조금굵은" panose="020B0600000101010101" pitchFamily="34" charset="-127"/>
+              <a:ea typeface="마루 부리OTF 조금굵은" panose="020B0600000101010101" pitchFamily="34" charset="-127"/>
             </a:endParaRPr>
           </a:p>
           <a:p>
-            <a:r>
-              <a:rPr lang="ko-KR" altLang="en-US" sz="1200" dirty="0">
-                <a:latin typeface="한컴 울주 천전리 각석체" panose="020B0503000000000000" pitchFamily="50" charset="-127"/>
-                <a:ea typeface="한컴 울주 천전리 각석체" panose="020B0503000000000000" pitchFamily="50" charset="-127"/>
-              </a:rPr>
-              <a:t>등 </a:t>
-            </a:r>
             <a:br>
               <a:rPr lang="en-US" altLang="ko-KR" sz="1200" dirty="0">
-                <a:latin typeface="한컴 울주 천전리 각석체" panose="020B0503000000000000" pitchFamily="50" charset="-127"/>
-                <a:ea typeface="한컴 울주 천전리 각석체" panose="020B0503000000000000" pitchFamily="50" charset="-127"/>
+                <a:latin typeface="마루 부리OTF 조금굵은" panose="020B0600000101010101" pitchFamily="34" charset="-127"/>
+                <a:ea typeface="마루 부리OTF 조금굵은" panose="020B0600000101010101" pitchFamily="34" charset="-127"/>
+              </a:rPr>
+            </a:br>
+            <a:r>
+              <a:rPr lang="ko-KR" altLang="en-US" sz="1200" dirty="0">
+                <a:latin typeface="마루 부리OTF 조금굵은" panose="020B0600000101010101" pitchFamily="34" charset="-127"/>
+                <a:ea typeface="마루 부리OTF 조금굵은" panose="020B0600000101010101" pitchFamily="34" charset="-127"/>
+              </a:rPr>
+              <a:t>문의하고자 하는 제품명을 </a:t>
+            </a:r>
+            <a:br>
+              <a:rPr lang="en-US" altLang="ko-KR" sz="1200" dirty="0">
+                <a:latin typeface="마루 부리OTF 조금굵은" panose="020B0600000101010101" pitchFamily="34" charset="-127"/>
+                <a:ea typeface="마루 부리OTF 조금굵은" panose="020B0600000101010101" pitchFamily="34" charset="-127"/>
+              </a:rPr>
+            </a:br>
+            <a:r>
+              <a:rPr lang="ko-KR" altLang="en-US" sz="1200" dirty="0">
+                <a:latin typeface="마루 부리OTF 조금굵은" panose="020B0600000101010101" pitchFamily="34" charset="-127"/>
+                <a:ea typeface="마루 부리OTF 조금굵은" panose="020B0600000101010101" pitchFamily="34" charset="-127"/>
+              </a:rPr>
+              <a:t>문의 내용 앞에 필수적으로 넣어 주셔야 </a:t>
+            </a:r>
+            <a:br>
+              <a:rPr lang="en-US" altLang="ko-KR" sz="1200" dirty="0">
+                <a:latin typeface="마루 부리OTF 조금굵은" panose="020B0600000101010101" pitchFamily="34" charset="-127"/>
+                <a:ea typeface="마루 부리OTF 조금굵은" panose="020B0600000101010101" pitchFamily="34" charset="-127"/>
+              </a:rPr>
+            </a:br>
+            <a:r>
+              <a:rPr lang="ko-KR" altLang="en-US" sz="1200" dirty="0">
+                <a:latin typeface="마루 부리OTF 조금굵은" panose="020B0600000101010101" pitchFamily="34" charset="-127"/>
+                <a:ea typeface="마루 부리OTF 조금굵은" panose="020B0600000101010101" pitchFamily="34" charset="-127"/>
+              </a:rPr>
+              <a:t>올바르게 작동 됩니다</a:t>
+            </a:r>
+            <a:r>
+              <a:rPr lang="en-US" altLang="ko-KR" sz="1200" dirty="0">
+                <a:latin typeface="마루 부리OTF 조금굵은" panose="020B0600000101010101" pitchFamily="34" charset="-127"/>
+                <a:ea typeface="마루 부리OTF 조금굵은" panose="020B0600000101010101" pitchFamily="34" charset="-127"/>
+              </a:rPr>
+              <a:t>. </a:t>
+            </a:r>
+            <a:br>
+              <a:rPr lang="en-US" altLang="ko-KR" sz="1200" dirty="0">
+                <a:latin typeface="마루 부리OTF 조금굵은" panose="020B0600000101010101" pitchFamily="34" charset="-127"/>
+                <a:ea typeface="마루 부리OTF 조금굵은" panose="020B0600000101010101" pitchFamily="34" charset="-127"/>
               </a:rPr>
             </a:br>
             <a:br>
               <a:rPr lang="en-US" altLang="ko-KR" sz="1200" dirty="0">
-                <a:latin typeface="한컴 울주 천전리 각석체" panose="020B0503000000000000" pitchFamily="50" charset="-127"/>
-                <a:ea typeface="한컴 울주 천전리 각석체" panose="020B0503000000000000" pitchFamily="50" charset="-127"/>
+                <a:latin typeface="마루 부리OTF 조금굵은" panose="020B0600000101010101" pitchFamily="34" charset="-127"/>
+                <a:ea typeface="마루 부리OTF 조금굵은" panose="020B0600000101010101" pitchFamily="34" charset="-127"/>
               </a:rPr>
             </a:br>
             <a:r>
-              <a:rPr lang="ko-KR" altLang="en-US" sz="1200" dirty="0">
-                <a:latin typeface="한컴 울주 천전리 각석체" panose="020B0503000000000000" pitchFamily="50" charset="-127"/>
-                <a:ea typeface="한컴 울주 천전리 각석체" panose="020B0503000000000000" pitchFamily="50" charset="-127"/>
+              <a:rPr lang="en-US" altLang="ko-KR" sz="1200" dirty="0">
+                <a:latin typeface="마루 부리OTF 조금굵은" panose="020B0600000101010101" pitchFamily="34" charset="-127"/>
+                <a:ea typeface="마루 부리OTF 조금굵은" panose="020B0600000101010101" pitchFamily="34" charset="-127"/>
               </a:rPr>
-              <a:t>문의하고자 하는 제품명을 </a:t>
+              <a:t>EX)</a:t>
+            </a:r>
+          </a:p>
+          <a:p>
+            <a:r>
+              <a:rPr lang="en-US" altLang="ko-KR" sz="1200" u="sng" dirty="0">
+                <a:solidFill>
+                  <a:schemeClr val="accent2"/>
+                </a:solidFill>
+                <a:latin typeface="마루 부리OTF 조금굵은" panose="020B0600000101010101" pitchFamily="34" charset="-127"/>
+                <a:ea typeface="마루 부리OTF 조금굵은" panose="020B0600000101010101" pitchFamily="34" charset="-127"/>
+              </a:rPr>
+              <a:t>-X50Ultra </a:t>
+            </a:r>
+            <a:r>
+              <a:rPr lang="ko-KR" altLang="en-US" sz="1200" u="sng" dirty="0">
+                <a:solidFill>
+                  <a:schemeClr val="accent2"/>
+                </a:solidFill>
+                <a:latin typeface="마루 부리OTF 조금굵은" panose="020B0600000101010101" pitchFamily="34" charset="-127"/>
+                <a:ea typeface="마루 부리OTF 조금굵은" panose="020B0600000101010101" pitchFamily="34" charset="-127"/>
+              </a:rPr>
+              <a:t>스테이션에 물이 새고 있어요 </a:t>
+            </a:r>
+            <a:endParaRPr lang="en-US" altLang="ko-KR" sz="1200" u="sng" dirty="0">
+              <a:solidFill>
+                <a:schemeClr val="accent2"/>
+              </a:solidFill>
+              <a:latin typeface="마루 부리OTF 조금굵은" panose="020B0600000101010101" pitchFamily="34" charset="-127"/>
+              <a:ea typeface="마루 부리OTF 조금굵은" panose="020B0600000101010101" pitchFamily="34" charset="-127"/>
+            </a:endParaRPr>
+          </a:p>
+          <a:p>
+            <a:r>
+              <a:rPr lang="en-US" altLang="ko-KR" sz="1200" u="sng" dirty="0">
+                <a:solidFill>
+                  <a:schemeClr val="accent2"/>
+                </a:solidFill>
+                <a:latin typeface="마루 부리OTF 조금굵은" panose="020B0600000101010101" pitchFamily="34" charset="-127"/>
+                <a:ea typeface="마루 부리OTF 조금굵은" panose="020B0600000101010101" pitchFamily="34" charset="-127"/>
+              </a:rPr>
+              <a:t>-L20Ultra </a:t>
+            </a:r>
+            <a:r>
+              <a:rPr lang="ko-KR" altLang="en-US" sz="1200" u="sng" dirty="0">
+                <a:solidFill>
+                  <a:schemeClr val="accent2"/>
+                </a:solidFill>
+                <a:latin typeface="마루 부리OTF 조금굵은" panose="020B0600000101010101" pitchFamily="34" charset="-127"/>
+                <a:ea typeface="마루 부리OTF 조금굵은" panose="020B0600000101010101" pitchFamily="34" charset="-127"/>
+              </a:rPr>
+              <a:t>제품이 빙글빙글 돌아요 </a:t>
+            </a:r>
+            <a:endParaRPr lang="en-US" altLang="ko-KR" sz="1200" u="sng" dirty="0">
+              <a:solidFill>
+                <a:schemeClr val="accent2"/>
+              </a:solidFill>
+              <a:latin typeface="마루 부리OTF 조금굵은" panose="020B0600000101010101" pitchFamily="34" charset="-127"/>
+              <a:ea typeface="마루 부리OTF 조금굵은" panose="020B0600000101010101" pitchFamily="34" charset="-127"/>
+            </a:endParaRPr>
+          </a:p>
+          <a:p>
+            <a:r>
+              <a:rPr lang="en-US" altLang="ko-KR" sz="1200" u="sng" dirty="0">
+                <a:solidFill>
+                  <a:schemeClr val="accent2"/>
+                </a:solidFill>
+                <a:latin typeface="마루 부리OTF 조금굵은" panose="020B0600000101010101" pitchFamily="34" charset="-127"/>
+                <a:ea typeface="마루 부리OTF 조금굵은" panose="020B0600000101010101" pitchFamily="34" charset="-127"/>
+              </a:rPr>
+              <a:t>-X50master </a:t>
+            </a:r>
+            <a:r>
+              <a:rPr lang="ko-KR" altLang="en-US" sz="1200" u="sng" dirty="0">
+                <a:solidFill>
+                  <a:schemeClr val="accent2"/>
+                </a:solidFill>
+                <a:latin typeface="마루 부리OTF 조금굵은" panose="020B0600000101010101" pitchFamily="34" charset="-127"/>
+                <a:ea typeface="마루 부리OTF 조금굵은" panose="020B0600000101010101" pitchFamily="34" charset="-127"/>
+              </a:rPr>
+              <a:t>직 배수 연결 없이 사용 가능한가요</a:t>
+            </a:r>
+            <a:r>
+              <a:rPr lang="en-US" altLang="ko-KR" sz="1200" u="sng" dirty="0">
+                <a:solidFill>
+                  <a:schemeClr val="accent2"/>
+                </a:solidFill>
+                <a:latin typeface="마루 부리OTF 조금굵은" panose="020B0600000101010101" pitchFamily="34" charset="-127"/>
+                <a:ea typeface="마루 부리OTF 조금굵은" panose="020B0600000101010101" pitchFamily="34" charset="-127"/>
+              </a:rPr>
+              <a:t>?</a:t>
+            </a:r>
+          </a:p>
+          <a:p>
+            <a:r>
+              <a:rPr lang="en-US" altLang="ko-KR" sz="1200" u="sng" dirty="0">
+                <a:solidFill>
+                  <a:schemeClr val="accent2"/>
+                </a:solidFill>
+                <a:latin typeface="마루 부리OTF 조금굵은" panose="020B0600000101010101" pitchFamily="34" charset="-127"/>
+                <a:ea typeface="마루 부리OTF 조금굵은" panose="020B0600000101010101" pitchFamily="34" charset="-127"/>
+              </a:rPr>
+              <a:t>-L10Pro </a:t>
+            </a:r>
+            <a:r>
+              <a:rPr lang="ko-KR" altLang="en-US" sz="1200" u="sng" dirty="0">
+                <a:solidFill>
+                  <a:schemeClr val="accent2"/>
+                </a:solidFill>
+                <a:latin typeface="마루 부리OTF 조금굵은" panose="020B0600000101010101" pitchFamily="34" charset="-127"/>
+                <a:ea typeface="마루 부리OTF 조금굵은" panose="020B0600000101010101" pitchFamily="34" charset="-127"/>
+              </a:rPr>
+              <a:t>베터리 완충시간</a:t>
             </a:r>
             <a:br>
               <a:rPr lang="en-US" altLang="ko-KR" sz="1200" dirty="0">
-                <a:latin typeface="한컴 울주 천전리 각석체" panose="020B0503000000000000" pitchFamily="50" charset="-127"/>
-                <a:ea typeface="한컴 울주 천전리 각석체" panose="020B0503000000000000" pitchFamily="50" charset="-127"/>
-              </a:rPr>
-            </a:br>
-            <a:r>
-              <a:rPr lang="ko-KR" altLang="en-US" sz="1200" dirty="0">
-                <a:latin typeface="한컴 울주 천전리 각석체" panose="020B0503000000000000" pitchFamily="50" charset="-127"/>
-                <a:ea typeface="한컴 울주 천전리 각석체" panose="020B0503000000000000" pitchFamily="50" charset="-127"/>
-              </a:rPr>
-              <a:t>문의 내용 앞에 필수적으로 넣어 주셔야 </a:t>
-            </a:r>
-            <a:br>
-              <a:rPr lang="en-US" altLang="ko-KR" sz="1200" dirty="0">
-                <a:latin typeface="한컴 울주 천전리 각석체" panose="020B0503000000000000" pitchFamily="50" charset="-127"/>
-                <a:ea typeface="한컴 울주 천전리 각석체" panose="020B0503000000000000" pitchFamily="50" charset="-127"/>
-              </a:rPr>
-            </a:br>
-            <a:r>
-              <a:rPr lang="ko-KR" altLang="en-US" sz="1200" dirty="0">
-                <a:latin typeface="한컴 울주 천전리 각석체" panose="020B0503000000000000" pitchFamily="50" charset="-127"/>
-                <a:ea typeface="한컴 울주 천전리 각석체" panose="020B0503000000000000" pitchFamily="50" charset="-127"/>
-              </a:rPr>
-              <a:t>올바르게 작동 됩니다</a:t>
-            </a:r>
-            <a:r>
-              <a:rPr lang="en-US" altLang="ko-KR" sz="1200" dirty="0">
-                <a:latin typeface="한컴 울주 천전리 각석체" panose="020B0503000000000000" pitchFamily="50" charset="-127"/>
-                <a:ea typeface="한컴 울주 천전리 각석체" panose="020B0503000000000000" pitchFamily="50" charset="-127"/>
-              </a:rPr>
-              <a:t>. </a:t>
-            </a:r>
-            <a:br>
-              <a:rPr lang="en-US" altLang="ko-KR" sz="1200" dirty="0">
-                <a:latin typeface="한컴 울주 천전리 각석체" panose="020B0503000000000000" pitchFamily="50" charset="-127"/>
-                <a:ea typeface="한컴 울주 천전리 각석체" panose="020B0503000000000000" pitchFamily="50" charset="-127"/>
+                <a:solidFill>
+                  <a:schemeClr val="tx1">
+                    <a:lumMod val="95000"/>
+                  </a:schemeClr>
+                </a:solidFill>
+                <a:latin typeface="마루 부리OTF 조금굵은" panose="020B0600000101010101" pitchFamily="34" charset="-127"/>
+                <a:ea typeface="마루 부리OTF 조금굵은" panose="020B0600000101010101" pitchFamily="34" charset="-127"/>
               </a:rPr>
             </a:br>
             <a:br>
               <a:rPr lang="en-US" altLang="ko-KR" sz="1200" dirty="0">
-                <a:latin typeface="한컴 울주 천전리 각석체" panose="020B0503000000000000" pitchFamily="50" charset="-127"/>
-                <a:ea typeface="한컴 울주 천전리 각석체" panose="020B0503000000000000" pitchFamily="50" charset="-127"/>
-              </a:rPr>
-            </a:br>
-            <a:r>
-              <a:rPr lang="en-US" altLang="ko-KR" sz="1200" dirty="0">
-                <a:latin typeface="한컴 울주 천전리 각석체" panose="020B0503000000000000" pitchFamily="50" charset="-127"/>
-                <a:ea typeface="한컴 울주 천전리 각석체" panose="020B0503000000000000" pitchFamily="50" charset="-127"/>
-              </a:rPr>
-              <a:t>EX)</a:t>
-            </a:r>
-          </a:p>
-          <a:p>
-            <a:r>
-              <a:rPr lang="en-US" altLang="ko-KR" sz="1200" u="sng" dirty="0">
-                <a:latin typeface="한컴 울주 천전리 각석체" panose="020B0503000000000000" pitchFamily="50" charset="-127"/>
-                <a:ea typeface="한컴 울주 천전리 각석체" panose="020B0503000000000000" pitchFamily="50" charset="-127"/>
-              </a:rPr>
-              <a:t>-</a:t>
-            </a:r>
-            <a:r>
-              <a:rPr lang="en-US" altLang="ko-KR" sz="1200" u="sng" dirty="0">
                 <a:solidFill>
                   <a:schemeClr val="tx1">
                     <a:lumMod val="95000"/>
                   </a:schemeClr>
                 </a:solidFill>
-                <a:latin typeface="한컴 울주 천전리 각석체" panose="020B0503000000000000" pitchFamily="50" charset="-127"/>
-                <a:ea typeface="한컴 울주 천전리 각석체" panose="020B0503000000000000" pitchFamily="50" charset="-127"/>
+                <a:latin typeface="마루 부리OTF 조금굵은" panose="020B0600000101010101" pitchFamily="34" charset="-127"/>
+                <a:ea typeface="마루 부리OTF 조금굵은" panose="020B0600000101010101" pitchFamily="34" charset="-127"/>
               </a:rPr>
-              <a:t>X50Ultra </a:t>
-            </a:r>
-            <a:r>
-              <a:rPr lang="ko-KR" altLang="en-US" sz="1200" u="sng" dirty="0">
+            </a:br>
+            <a:r>
+              <a:rPr lang="ko-KR" altLang="en-US" sz="1200" dirty="0">
                 <a:solidFill>
                   <a:schemeClr val="tx1">
                     <a:lumMod val="95000"/>
                   </a:schemeClr>
                 </a:solidFill>
-                <a:latin typeface="한컴 울주 천전리 각석체" panose="020B0503000000000000" pitchFamily="50" charset="-127"/>
-                <a:ea typeface="한컴 울주 천전리 각석체" panose="020B0503000000000000" pitchFamily="50" charset="-127"/>
+                <a:latin typeface="마루 부리OTF 조금굵은" panose="020B0600000101010101" pitchFamily="34" charset="-127"/>
+                <a:ea typeface="마루 부리OTF 조금굵은" panose="020B0600000101010101" pitchFamily="34" charset="-127"/>
               </a:rPr>
-              <a:t>스테이션에 물이 새고 있어요 </a:t>
-            </a:r>
-            <a:endParaRPr lang="en-US" altLang="ko-KR" sz="1200" u="sng" dirty="0">
-              <a:solidFill>
-                <a:schemeClr val="tx1">
-                  <a:lumMod val="95000"/>
-                </a:schemeClr>
-              </a:solidFill>
-              <a:latin typeface="한컴 울주 천전리 각석체" panose="020B0503000000000000" pitchFamily="50" charset="-127"/>
-              <a:ea typeface="한컴 울주 천전리 각석체" panose="020B0503000000000000" pitchFamily="50" charset="-127"/>
-            </a:endParaRPr>
-          </a:p>
-          <a:p>
-            <a:r>
-              <a:rPr lang="en-US" altLang="ko-KR" sz="1200" u="sng" dirty="0">
-                <a:latin typeface="한컴 울주 천전리 각석체" panose="020B0503000000000000" pitchFamily="50" charset="-127"/>
-                <a:ea typeface="한컴 울주 천전리 각석체" panose="020B0503000000000000" pitchFamily="50" charset="-127"/>
-              </a:rPr>
-              <a:t>-</a:t>
-            </a:r>
-            <a:r>
-              <a:rPr lang="en-US" altLang="ko-KR" sz="1200" u="sng" dirty="0">
+              <a:t>제품명만 올바르게 넣었다면 </a:t>
+            </a:r>
+            <a:br>
+              <a:rPr lang="en-US" altLang="ko-KR" sz="1200" dirty="0">
                 <a:solidFill>
                   <a:schemeClr val="tx1">
                     <a:lumMod val="95000"/>
                   </a:schemeClr>
                 </a:solidFill>
-                <a:latin typeface="한컴 울주 천전리 각석체" panose="020B0503000000000000" pitchFamily="50" charset="-127"/>
-                <a:ea typeface="한컴 울주 천전리 각석체" panose="020B0503000000000000" pitchFamily="50" charset="-127"/>
+                <a:latin typeface="마루 부리OTF 조금굵은" panose="020B0600000101010101" pitchFamily="34" charset="-127"/>
+                <a:ea typeface="마루 부리OTF 조금굵은" panose="020B0600000101010101" pitchFamily="34" charset="-127"/>
               </a:rPr>
-              <a:t>L20Ultra </a:t>
-            </a:r>
-            <a:r>
-              <a:rPr lang="ko-KR" altLang="en-US" sz="1200" u="sng" dirty="0">
+            </a:br>
+            <a:r>
+              <a:rPr lang="ko-KR" altLang="en-US" sz="1200" dirty="0">
                 <a:solidFill>
                   <a:schemeClr val="tx1">
                     <a:lumMod val="95000"/>
                   </a:schemeClr>
                 </a:solidFill>
-                <a:latin typeface="한컴 울주 천전리 각석체" panose="020B0503000000000000" pitchFamily="50" charset="-127"/>
-                <a:ea typeface="한컴 울주 천전리 각석체" panose="020B0503000000000000" pitchFamily="50" charset="-127"/>
+                <a:latin typeface="마루 부리OTF 조금굵은" panose="020B0600000101010101" pitchFamily="34" charset="-127"/>
+                <a:ea typeface="마루 부리OTF 조금굵은" panose="020B0600000101010101" pitchFamily="34" charset="-127"/>
               </a:rPr>
-              <a:t>제품이 빙글빙글 돌아요 </a:t>
-            </a:r>
-            <a:endParaRPr lang="en-US" altLang="ko-KR" sz="1200" u="sng" dirty="0">
-              <a:solidFill>
-                <a:schemeClr val="tx1">
-                  <a:lumMod val="95000"/>
-                </a:schemeClr>
-              </a:solidFill>
-              <a:latin typeface="한컴 울주 천전리 각석체" panose="020B0503000000000000" pitchFamily="50" charset="-127"/>
-              <a:ea typeface="한컴 울주 천전리 각석체" panose="020B0503000000000000" pitchFamily="50" charset="-127"/>
-            </a:endParaRPr>
-          </a:p>
-          <a:p>
-            <a:r>
-              <a:rPr lang="en-US" altLang="ko-KR" sz="1200" u="sng" dirty="0">
+              <a:t>최소한의 오차</a:t>
+            </a:r>
+            <a:r>
+              <a:rPr lang="en-US" altLang="ko-KR" sz="1200" dirty="0">
                 <a:solidFill>
                   <a:schemeClr val="tx1">
                     <a:lumMod val="95000"/>
                   </a:schemeClr>
                 </a:solidFill>
-                <a:latin typeface="한컴 울주 천전리 각석체" panose="020B0503000000000000" pitchFamily="50" charset="-127"/>
-                <a:ea typeface="한컴 울주 천전리 각석체" panose="020B0503000000000000" pitchFamily="50" charset="-127"/>
+                <a:latin typeface="마루 부리OTF 조금굵은" panose="020B0600000101010101" pitchFamily="34" charset="-127"/>
+                <a:ea typeface="마루 부리OTF 조금굵은" panose="020B0600000101010101" pitchFamily="34" charset="-127"/>
               </a:rPr>
-              <a:t>-X50master </a:t>
-            </a:r>
-            <a:r>
-              <a:rPr lang="ko-KR" altLang="en-US" sz="1200" u="sng" dirty="0">
+              <a:t>,ai</a:t>
+            </a:r>
+            <a:r>
+              <a:rPr lang="ko-KR" altLang="en-US" sz="1200" dirty="0">
                 <a:solidFill>
                   <a:schemeClr val="tx1">
                     <a:lumMod val="95000"/>
                   </a:schemeClr>
                 </a:solidFill>
-                <a:latin typeface="한컴 울주 천전리 각석체" panose="020B0503000000000000" pitchFamily="50" charset="-127"/>
-                <a:ea typeface="한컴 울주 천전리 각석체" panose="020B0503000000000000" pitchFamily="50" charset="-127"/>
+                <a:latin typeface="마루 부리OTF 조금굵은" panose="020B0600000101010101" pitchFamily="34" charset="-127"/>
+                <a:ea typeface="마루 부리OTF 조금굵은" panose="020B0600000101010101" pitchFamily="34" charset="-127"/>
               </a:rPr>
-              <a:t>직 배수 연결 없이 사용 가능한가요</a:t>
-            </a:r>
-            <a:r>
-              <a:rPr lang="en-US" altLang="ko-KR" sz="1200" u="sng" dirty="0">
+              <a:t>특성상 거짓된 정보를 일부 피할 수 있습니다</a:t>
+            </a:r>
+            <a:r>
+              <a:rPr lang="en-US" altLang="ko-KR" sz="1200" dirty="0">
                 <a:solidFill>
                   <a:schemeClr val="tx1">
                     <a:lumMod val="95000"/>
                   </a:schemeClr>
                 </a:solidFill>
-                <a:latin typeface="한컴 울주 천전리 각석체" panose="020B0503000000000000" pitchFamily="50" charset="-127"/>
-                <a:ea typeface="한컴 울주 천전리 각석체" panose="020B0503000000000000" pitchFamily="50" charset="-127"/>
-              </a:rPr>
-              <a:t>?</a:t>
-            </a:r>
-            <a:br>
-              <a:rPr lang="en-US" altLang="ko-KR" sz="1200" dirty="0">
-                <a:solidFill>
-                  <a:schemeClr val="tx1">
-                    <a:lumMod val="95000"/>
-                  </a:schemeClr>
-                </a:solidFill>
-                <a:latin typeface="한컴 울주 천전리 각석체" panose="020B0503000000000000" pitchFamily="50" charset="-127"/>
-                <a:ea typeface="한컴 울주 천전리 각석체" panose="020B0503000000000000" pitchFamily="50" charset="-127"/>
-              </a:rPr>
-            </a:br>
-            <a:br>
-              <a:rPr lang="en-US" altLang="ko-KR" sz="1200" dirty="0">
-                <a:solidFill>
-                  <a:schemeClr val="tx1">
-                    <a:lumMod val="95000"/>
-                  </a:schemeClr>
-                </a:solidFill>
-                <a:latin typeface="한컴 울주 천전리 각석체" panose="020B0503000000000000" pitchFamily="50" charset="-127"/>
-                <a:ea typeface="한컴 울주 천전리 각석체" panose="020B0503000000000000" pitchFamily="50" charset="-127"/>
-              </a:rPr>
-            </a:br>
-            <a:r>
-              <a:rPr lang="ko-KR" altLang="en-US" sz="1200" dirty="0">
-                <a:solidFill>
-                  <a:schemeClr val="tx1">
-                    <a:lumMod val="95000"/>
-                  </a:schemeClr>
-                </a:solidFill>
-                <a:latin typeface="한컴 울주 천전리 각석체" panose="020B0503000000000000" pitchFamily="50" charset="-127"/>
-                <a:ea typeface="한컴 울주 천전리 각석체" panose="020B0503000000000000" pitchFamily="50" charset="-127"/>
-              </a:rPr>
-              <a:t>제품명만 올바르게 넣었다면 </a:t>
-            </a:r>
-            <a:br>
-              <a:rPr lang="en-US" altLang="ko-KR" sz="1200" dirty="0">
-                <a:solidFill>
-                  <a:schemeClr val="tx1">
-                    <a:lumMod val="95000"/>
-                  </a:schemeClr>
-                </a:solidFill>
-                <a:latin typeface="한컴 울주 천전리 각석체" panose="020B0503000000000000" pitchFamily="50" charset="-127"/>
-                <a:ea typeface="한컴 울주 천전리 각석체" panose="020B0503000000000000" pitchFamily="50" charset="-127"/>
-              </a:rPr>
-            </a:br>
-            <a:r>
-              <a:rPr lang="ko-KR" altLang="en-US" sz="1200" dirty="0">
-                <a:solidFill>
-                  <a:schemeClr val="tx1">
-                    <a:lumMod val="95000"/>
-                  </a:schemeClr>
-                </a:solidFill>
-                <a:latin typeface="한컴 울주 천전리 각석체" panose="020B0503000000000000" pitchFamily="50" charset="-127"/>
-                <a:ea typeface="한컴 울주 천전리 각석체" panose="020B0503000000000000" pitchFamily="50" charset="-127"/>
-              </a:rPr>
-              <a:t>최소한의 오차</a:t>
-            </a:r>
-            <a:r>
-              <a:rPr lang="en-US" altLang="ko-KR" sz="1200" dirty="0">
-                <a:solidFill>
-                  <a:schemeClr val="tx1">
-                    <a:lumMod val="95000"/>
-                  </a:schemeClr>
-                </a:solidFill>
-                <a:latin typeface="한컴 울주 천전리 각석체" panose="020B0503000000000000" pitchFamily="50" charset="-127"/>
-                <a:ea typeface="한컴 울주 천전리 각석체" panose="020B0503000000000000" pitchFamily="50" charset="-127"/>
-              </a:rPr>
-              <a:t>,ai</a:t>
-            </a:r>
-            <a:r>
-              <a:rPr lang="ko-KR" altLang="en-US" sz="1200" dirty="0">
-                <a:solidFill>
-                  <a:schemeClr val="tx1">
-                    <a:lumMod val="95000"/>
-                  </a:schemeClr>
-                </a:solidFill>
-                <a:latin typeface="한컴 울주 천전리 각석체" panose="020B0503000000000000" pitchFamily="50" charset="-127"/>
-                <a:ea typeface="한컴 울주 천전리 각석체" panose="020B0503000000000000" pitchFamily="50" charset="-127"/>
-              </a:rPr>
-              <a:t>특성상 거짓된 정보를 일부 피할 수 있습니다</a:t>
-            </a:r>
-            <a:r>
-              <a:rPr lang="en-US" altLang="ko-KR" sz="1200" dirty="0">
-                <a:solidFill>
-                  <a:schemeClr val="tx1">
-                    <a:lumMod val="95000"/>
-                  </a:schemeClr>
-                </a:solidFill>
-                <a:latin typeface="한컴 울주 천전리 각석체" panose="020B0503000000000000" pitchFamily="50" charset="-127"/>
-                <a:ea typeface="한컴 울주 천전리 각석체" panose="020B0503000000000000" pitchFamily="50" charset="-127"/>
+                <a:latin typeface="마루 부리OTF 조금굵은" panose="020B0600000101010101" pitchFamily="34" charset="-127"/>
+                <a:ea typeface="마루 부리OTF 조금굵은" panose="020B0600000101010101" pitchFamily="34" charset="-127"/>
               </a:rPr>
               <a:t>. </a:t>
             </a:r>
@@ -7076,6 +7008,98 @@
               <a:latin typeface="한컴 울주 천전리 각석체" panose="020B0503000000000000" pitchFamily="50" charset="-127"/>
               <a:ea typeface="한컴 울주 천전리 각석체" panose="020B0503000000000000" pitchFamily="50" charset="-127"/>
             </a:endParaRPr>
+          </a:p>
+        </p:txBody>
+      </p:sp>
+      <p:sp>
+        <p:nvSpPr>
+          <p:cNvPr id="20" name="TextBox 19">
+            <a:extLst>
+              <a:ext uri="{FF2B5EF4-FFF2-40B4-BE49-F238E27FC236}">
+                <a16:creationId xmlns:a16="http://schemas.microsoft.com/office/drawing/2014/main" id="{C04D2646-5D6A-1245-F0B4-4B8E38681FDE}"/>
+              </a:ext>
+            </a:extLst>
+          </p:cNvPr>
+          <p:cNvSpPr txBox="1"/>
+          <p:nvPr/>
+        </p:nvSpPr>
+        <p:spPr>
+          <a:xfrm>
+            <a:off x="6228194" y="545687"/>
+            <a:ext cx="5751370" cy="646331"/>
+          </a:xfrm>
+          <a:prstGeom prst="rect">
+            <a:avLst/>
+          </a:prstGeom>
+          <a:noFill/>
+        </p:spPr>
+        <p:txBody>
+          <a:bodyPr wrap="square">
+            <a:spAutoFit/>
+          </a:bodyPr>
+          <a:lstStyle/>
+          <a:p>
+            <a:r>
+              <a:rPr lang="ko-KR" altLang="en-US" sz="1800" dirty="0">
+                <a:latin typeface="마루 부리OTF 조금굵은" panose="020B0600000101010101" pitchFamily="34" charset="-127"/>
+                <a:ea typeface="마루 부리OTF 조금굵은" panose="020B0600000101010101" pitchFamily="34" charset="-127"/>
+              </a:rPr>
+              <a:t>표시된 공간박스 안에 고객 문의를 넣을 경우 </a:t>
+            </a:r>
+            <a:r>
+              <a:rPr lang="en-US" altLang="ko-KR" sz="1800" dirty="0">
+                <a:latin typeface="마루 부리OTF 조금굵은" panose="020B0600000101010101" pitchFamily="34" charset="-127"/>
+                <a:ea typeface="마루 부리OTF 조금굵은" panose="020B0600000101010101" pitchFamily="34" charset="-127"/>
+              </a:rPr>
+              <a:t>,</a:t>
+            </a:r>
+            <a:br>
+              <a:rPr lang="en-US" altLang="ko-KR" sz="1800" dirty="0">
+                <a:latin typeface="마루 부리OTF 조금굵은" panose="020B0600000101010101" pitchFamily="34" charset="-127"/>
+                <a:ea typeface="마루 부리OTF 조금굵은" panose="020B0600000101010101" pitchFamily="34" charset="-127"/>
+              </a:rPr>
+            </a:br>
+            <a:r>
+              <a:rPr lang="ko-KR" altLang="en-US" sz="1800" dirty="0">
+                <a:latin typeface="마루 부리OTF 조금굵은" panose="020B0600000101010101" pitchFamily="34" charset="-127"/>
+                <a:ea typeface="마루 부리OTF 조금굵은" panose="020B0600000101010101" pitchFamily="34" charset="-127"/>
+              </a:rPr>
+              <a:t>하단에 위치한  📪 </a:t>
+            </a:r>
+            <a:r>
+              <a:rPr lang="ko-KR" altLang="en-US" sz="1800" dirty="0">
+                <a:solidFill>
+                  <a:srgbClr val="FFC000"/>
+                </a:solidFill>
+                <a:latin typeface="마루 부리OTF 조금굵은" panose="020B0600000101010101" pitchFamily="34" charset="-127"/>
+                <a:ea typeface="마루 부리OTF 조금굵은" panose="020B0600000101010101" pitchFamily="34" charset="-127"/>
+              </a:rPr>
+              <a:t>응답결과</a:t>
+            </a:r>
+            <a:r>
+              <a:rPr lang="en-US" altLang="ko-KR" dirty="0">
+                <a:solidFill>
+                  <a:srgbClr val="FFC000"/>
+                </a:solidFill>
+                <a:latin typeface="마루 부리OTF 조금굵은" panose="020B0600000101010101" pitchFamily="34" charset="-127"/>
+                <a:ea typeface="마루 부리OTF 조금굵은" panose="020B0600000101010101" pitchFamily="34" charset="-127"/>
+              </a:rPr>
+              <a:t> </a:t>
+            </a:r>
+            <a:r>
+              <a:rPr lang="ko-KR" altLang="en-US" sz="1800" dirty="0">
+                <a:latin typeface="마루 부리OTF 조금굵은" panose="020B0600000101010101" pitchFamily="34" charset="-127"/>
+                <a:ea typeface="마루 부리OTF 조금굵은" panose="020B0600000101010101" pitchFamily="34" charset="-127"/>
+              </a:rPr>
+              <a:t>에 고객 답변이 도출됩니다</a:t>
+            </a:r>
+            <a:r>
+              <a:rPr lang="en-US" altLang="ko-KR" sz="1800" dirty="0">
+                <a:latin typeface="마루 부리OTF 조금굵은" panose="020B0600000101010101" pitchFamily="34" charset="-127"/>
+                <a:ea typeface="마루 부리OTF 조금굵은" panose="020B0600000101010101" pitchFamily="34" charset="-127"/>
+              </a:rPr>
+              <a:t>. </a:t>
+            </a:r>
           </a:p>
         </p:txBody>
       </p:sp>

--- a/agentforum/agentforumguide.pptx
+++ b/agentforum/agentforumguide.pptx
@@ -6273,6 +6273,42 @@
           </a:p>
         </p:txBody>
       </p:sp>
+      <p:pic>
+        <p:nvPicPr>
+          <p:cNvPr id="2" name="그림 1" descr="그래픽, 폰트, 로고, 그래픽 디자인이(가) 표시된 사진&#10;&#10;AI가 생성한 콘텐츠는 부정확할 수 있습니다.">
+            <a:extLst>
+              <a:ext uri="{FF2B5EF4-FFF2-40B4-BE49-F238E27FC236}">
+                <a16:creationId xmlns:a16="http://schemas.microsoft.com/office/drawing/2014/main" id="{59423A26-B5DD-8784-9713-E658BA872955}"/>
+              </a:ext>
+            </a:extLst>
+          </p:cNvPr>
+          <p:cNvPicPr>
+            <a:picLocks noChangeAspect="1"/>
+          </p:cNvPicPr>
+          <p:nvPr/>
+        </p:nvPicPr>
+        <p:blipFill>
+          <a:blip r:embed="rId3">
+            <a:extLst>
+              <a:ext uri="{28A0092B-C50C-407E-A947-70E740481C1C}">
+                <a14:useLocalDpi xmlns:a14="http://schemas.microsoft.com/office/drawing/2010/main" val="0"/>
+              </a:ext>
+            </a:extLst>
+          </a:blip>
+          <a:stretch>
+            <a:fillRect/>
+          </a:stretch>
+        </p:blipFill>
+        <p:spPr>
+          <a:xfrm>
+            <a:off x="10926618" y="0"/>
+            <a:ext cx="1265382" cy="664326"/>
+          </a:xfrm>
+          <a:prstGeom prst="rect">
+            <a:avLst/>
+          </a:prstGeom>
+        </p:spPr>
+      </p:pic>
     </p:spTree>
     <p:extLst>
       <p:ext uri="{BB962C8B-B14F-4D97-AF65-F5344CB8AC3E}">
@@ -6360,13 +6396,13 @@
           <p:nvPr/>
         </p:nvCxnSpPr>
         <p:spPr>
-          <a:xfrm flipV="1">
-            <a:off x="3006435" y="720436"/>
-            <a:ext cx="3221759" cy="2623128"/>
+          <a:xfrm rot="5400000" flipH="1" flipV="1">
+            <a:off x="4568824" y="1684194"/>
+            <a:ext cx="2410692" cy="908050"/>
           </a:xfrm>
           <a:prstGeom prst="bentConnector3">
             <a:avLst>
-              <a:gd name="adj1" fmla="val -744"/>
+              <a:gd name="adj1" fmla="val 100192"/>
             </a:avLst>
           </a:prstGeom>
           <a:ln w="38100">
@@ -6457,8 +6493,8 @@
         </p:nvSpPr>
         <p:spPr>
           <a:xfrm>
-            <a:off x="6228194" y="1386268"/>
-            <a:ext cx="4218133" cy="4893647"/>
+            <a:off x="6228193" y="664326"/>
+            <a:ext cx="5963807" cy="5940088"/>
           </a:xfrm>
           <a:prstGeom prst="rect">
             <a:avLst/>
@@ -6472,14 +6508,100 @@
           <a:lstStyle/>
           <a:p>
             <a:r>
-              <a:rPr lang="ko-KR" altLang="en-US" sz="1200" dirty="0">
-                <a:solidFill>
-                  <a:srgbClr val="FF0000"/>
-                </a:solidFill>
+              <a:rPr lang="ko-KR" altLang="en-US" sz="1600" dirty="0">
                 <a:latin typeface="마루 부리OTF 조금굵은" panose="020B0600000101010101" pitchFamily="34" charset="-127"/>
                 <a:ea typeface="마루 부리OTF 조금굵은" panose="020B0600000101010101" pitchFamily="34" charset="-127"/>
               </a:rPr>
-              <a:t>주의사항 </a:t>
+              <a:t>표시된 공간박스 안에 고객 문의를 넣을 경우 </a:t>
+            </a:r>
+            <a:r>
+              <a:rPr lang="en-US" altLang="ko-KR" sz="1600" dirty="0">
+                <a:latin typeface="마루 부리OTF 조금굵은" panose="020B0600000101010101" pitchFamily="34" charset="-127"/>
+                <a:ea typeface="마루 부리OTF 조금굵은" panose="020B0600000101010101" pitchFamily="34" charset="-127"/>
+              </a:rPr>
+              <a:t>,</a:t>
+            </a:r>
+            <a:br>
+              <a:rPr lang="en-US" altLang="ko-KR" sz="1600" dirty="0">
+                <a:latin typeface="마루 부리OTF 조금굵은" panose="020B0600000101010101" pitchFamily="34" charset="-127"/>
+                <a:ea typeface="마루 부리OTF 조금굵은" panose="020B0600000101010101" pitchFamily="34" charset="-127"/>
+              </a:rPr>
+            </a:br>
+            <a:r>
+              <a:rPr lang="ko-KR" altLang="en-US" sz="1600" dirty="0">
+                <a:latin typeface="마루 부리OTF 조금굵은" panose="020B0600000101010101" pitchFamily="34" charset="-127"/>
+                <a:ea typeface="마루 부리OTF 조금굵은" panose="020B0600000101010101" pitchFamily="34" charset="-127"/>
+              </a:rPr>
+              <a:t>하단에 위치한  📪 </a:t>
+            </a:r>
+            <a:r>
+              <a:rPr lang="ko-KR" altLang="en-US" sz="1600" dirty="0">
+                <a:solidFill>
+                  <a:srgbClr val="FFC000"/>
+                </a:solidFill>
+                <a:latin typeface="마루 부리OTF 조금굵은" panose="020B0600000101010101" pitchFamily="34" charset="-127"/>
+                <a:ea typeface="마루 부리OTF 조금굵은" panose="020B0600000101010101" pitchFamily="34" charset="-127"/>
+              </a:rPr>
+              <a:t>응답결과</a:t>
+            </a:r>
+            <a:r>
+              <a:rPr lang="en-US" altLang="ko-KR" sz="1600" dirty="0">
+                <a:solidFill>
+                  <a:srgbClr val="FFC000"/>
+                </a:solidFill>
+                <a:latin typeface="마루 부리OTF 조금굵은" panose="020B0600000101010101" pitchFamily="34" charset="-127"/>
+                <a:ea typeface="마루 부리OTF 조금굵은" panose="020B0600000101010101" pitchFamily="34" charset="-127"/>
+              </a:rPr>
+              <a:t> </a:t>
+            </a:r>
+            <a:r>
+              <a:rPr lang="ko-KR" altLang="en-US" sz="1600" dirty="0">
+                <a:latin typeface="마루 부리OTF 조금굵은" panose="020B0600000101010101" pitchFamily="34" charset="-127"/>
+                <a:ea typeface="마루 부리OTF 조금굵은" panose="020B0600000101010101" pitchFamily="34" charset="-127"/>
+              </a:rPr>
+              <a:t>에 고객 답변이 도출됩니다</a:t>
+            </a:r>
+            <a:r>
+              <a:rPr lang="en-US" altLang="ko-KR" sz="1600" dirty="0">
+                <a:latin typeface="마루 부리OTF 조금굵은" panose="020B0600000101010101" pitchFamily="34" charset="-127"/>
+                <a:ea typeface="마루 부리OTF 조금굵은" panose="020B0600000101010101" pitchFamily="34" charset="-127"/>
+              </a:rPr>
+              <a:t>. </a:t>
+            </a:r>
+          </a:p>
+          <a:p>
+            <a:endParaRPr lang="en-US" altLang="ko-KR" sz="1200" dirty="0">
+              <a:latin typeface="마루 부리OTF 조금굵은" panose="020B0600000101010101" pitchFamily="34" charset="-127"/>
+              <a:ea typeface="마루 부리OTF 조금굵은" panose="020B0600000101010101" pitchFamily="34" charset="-127"/>
+            </a:endParaRPr>
+          </a:p>
+          <a:p>
+            <a:r>
+              <a:rPr lang="ko-KR" altLang="en-US" sz="1200" dirty="0">
+                <a:latin typeface="마루 부리OTF 조금굵은" panose="020B0600000101010101" pitchFamily="34" charset="-127"/>
+                <a:ea typeface="마루 부리OTF 조금굵은" panose="020B0600000101010101" pitchFamily="34" charset="-127"/>
+              </a:rPr>
+              <a:t>🚫</a:t>
+            </a:r>
+            <a:r>
+              <a:rPr lang="ko-KR" altLang="en-US" sz="1200" b="1" dirty="0">
+                <a:solidFill>
+                  <a:schemeClr val="accent3">
+                    <a:lumMod val="60000"/>
+                    <a:lumOff val="40000"/>
+                  </a:schemeClr>
+                </a:solidFill>
+                <a:latin typeface="마루 부리OTF 조금굵은" panose="020B0600000101010101" pitchFamily="34" charset="-127"/>
+                <a:ea typeface="마루 부리OTF 조금굵은" panose="020B0600000101010101" pitchFamily="34" charset="-127"/>
+              </a:rPr>
+              <a:t>주의사항</a:t>
+            </a:r>
+            <a:r>
+              <a:rPr lang="ko-KR" altLang="en-US" sz="1200" dirty="0">
+                <a:latin typeface="마루 부리OTF 조금굵은" panose="020B0600000101010101" pitchFamily="34" charset="-127"/>
+                <a:ea typeface="마루 부리OTF 조금굵은" panose="020B0600000101010101" pitchFamily="34" charset="-127"/>
+              </a:rPr>
+              <a:t>🚫</a:t>
             </a:r>
             <a:br>
               <a:rPr lang="en-US" altLang="ko-KR" sz="1200" dirty="0">
@@ -6717,17 +6839,6 @@
             </a:endParaRPr>
           </a:p>
           <a:p>
-            <a:endParaRPr lang="en-US" altLang="ko-KR" sz="1200" dirty="0">
-              <a:solidFill>
-                <a:schemeClr val="tx1">
-                  <a:lumMod val="95000"/>
-                </a:schemeClr>
-              </a:solidFill>
-              <a:latin typeface="마루 부리OTF 조금굵은" panose="020B0600000101010101" pitchFamily="34" charset="-127"/>
-              <a:ea typeface="마루 부리OTF 조금굵은" panose="020B0600000101010101" pitchFamily="34" charset="-127"/>
-            </a:endParaRPr>
-          </a:p>
-          <a:p>
             <a:br>
               <a:rPr lang="en-US" altLang="ko-KR" sz="1200" dirty="0">
                 <a:latin typeface="마루 부리OTF 조금굵은" panose="020B0600000101010101" pitchFamily="34" charset="-127"/>
@@ -6739,33 +6850,23 @@
                 <a:latin typeface="마루 부리OTF 조금굵은" panose="020B0600000101010101" pitchFamily="34" charset="-127"/>
                 <a:ea typeface="마루 부리OTF 조금굵은" panose="020B0600000101010101" pitchFamily="34" charset="-127"/>
               </a:rPr>
-              <a:t>문의하고자 하는 제품명을 </a:t>
-            </a:r>
-            <a:br>
+              <a:t>문의하고자 하는 제품명을</a:t>
+            </a:r>
+            <a:r>
               <a:rPr lang="en-US" altLang="ko-KR" sz="1200" dirty="0">
                 <a:latin typeface="마루 부리OTF 조금굵은" panose="020B0600000101010101" pitchFamily="34" charset="-127"/>
                 <a:ea typeface="마루 부리OTF 조금굵은" panose="020B0600000101010101" pitchFamily="34" charset="-127"/>
               </a:rPr>
-            </a:br>
+              <a:t>.</a:t>
+            </a:r>
+          </a:p>
+          <a:p>
             <a:r>
               <a:rPr lang="ko-KR" altLang="en-US" sz="1200" dirty="0">
                 <a:latin typeface="마루 부리OTF 조금굵은" panose="020B0600000101010101" pitchFamily="34" charset="-127"/>
                 <a:ea typeface="마루 부리OTF 조금굵은" panose="020B0600000101010101" pitchFamily="34" charset="-127"/>
               </a:rPr>
-              <a:t>문의 내용 앞에 필수적으로 넣어 주셔야 </a:t>
-            </a:r>
-            <a:br>
-              <a:rPr lang="en-US" altLang="ko-KR" sz="1200" dirty="0">
-                <a:latin typeface="마루 부리OTF 조금굵은" panose="020B0600000101010101" pitchFamily="34" charset="-127"/>
-                <a:ea typeface="마루 부리OTF 조금굵은" panose="020B0600000101010101" pitchFamily="34" charset="-127"/>
-              </a:rPr>
-            </a:br>
-            <a:r>
-              <a:rPr lang="ko-KR" altLang="en-US" sz="1200" dirty="0">
-                <a:latin typeface="마루 부리OTF 조금굵은" panose="020B0600000101010101" pitchFamily="34" charset="-127"/>
-                <a:ea typeface="마루 부리OTF 조금굵은" panose="020B0600000101010101" pitchFamily="34" charset="-127"/>
-              </a:rPr>
-              <a:t>올바르게 작동 됩니다</a:t>
+              <a:t>문의 내용 앞에 필수적으로 넣어 주셔야 올바르게 작동 됩니다</a:t>
             </a:r>
             <a:r>
               <a:rPr lang="en-US" altLang="ko-KR" sz="1200" dirty="0">
@@ -6796,9 +6897,12 @@
           </a:p>
           <a:p>
             <a:r>
-              <a:rPr lang="en-US" altLang="ko-KR" sz="1200" u="sng" dirty="0">
-                <a:solidFill>
-                  <a:schemeClr val="accent2"/>
+              <a:rPr lang="en-US" altLang="ko-KR" sz="1200" dirty="0">
+                <a:solidFill>
+                  <a:schemeClr val="accent3">
+                    <a:lumMod val="60000"/>
+                    <a:lumOff val="40000"/>
+                  </a:schemeClr>
                 </a:solidFill>
                 <a:latin typeface="마루 부리OTF 조금굵은" panose="020B0600000101010101" pitchFamily="34" charset="-127"/>
                 <a:ea typeface="마루 부리OTF 조금굵은" panose="020B0600000101010101" pitchFamily="34" charset="-127"/>
@@ -6806,18 +6910,24 @@
               <a:t>-X50Ultra </a:t>
             </a:r>
             <a:r>
-              <a:rPr lang="ko-KR" altLang="en-US" sz="1200" u="sng" dirty="0">
-                <a:solidFill>
-                  <a:schemeClr val="accent2"/>
+              <a:rPr lang="ko-KR" altLang="en-US" sz="1200" dirty="0">
+                <a:solidFill>
+                  <a:schemeClr val="accent3">
+                    <a:lumMod val="60000"/>
+                    <a:lumOff val="40000"/>
+                  </a:schemeClr>
                 </a:solidFill>
                 <a:latin typeface="마루 부리OTF 조금굵은" panose="020B0600000101010101" pitchFamily="34" charset="-127"/>
                 <a:ea typeface="마루 부리OTF 조금굵은" panose="020B0600000101010101" pitchFamily="34" charset="-127"/>
               </a:rPr>
               <a:t>스테이션에 물이 새고 있어요 </a:t>
             </a:r>
-            <a:endParaRPr lang="en-US" altLang="ko-KR" sz="1200" u="sng" dirty="0">
+            <a:endParaRPr lang="en-US" altLang="ko-KR" sz="1200" dirty="0">
               <a:solidFill>
-                <a:schemeClr val="accent2"/>
+                <a:schemeClr val="accent3">
+                  <a:lumMod val="60000"/>
+                  <a:lumOff val="40000"/>
+                </a:schemeClr>
               </a:solidFill>
               <a:latin typeface="마루 부리OTF 조금굵은" panose="020B0600000101010101" pitchFamily="34" charset="-127"/>
               <a:ea typeface="마루 부리OTF 조금굵은" panose="020B0600000101010101" pitchFamily="34" charset="-127"/>
@@ -6825,9 +6935,12 @@
           </a:p>
           <a:p>
             <a:r>
-              <a:rPr lang="en-US" altLang="ko-KR" sz="1200" u="sng" dirty="0">
-                <a:solidFill>
-                  <a:schemeClr val="accent2"/>
+              <a:rPr lang="en-US" altLang="ko-KR" sz="1200" dirty="0">
+                <a:solidFill>
+                  <a:schemeClr val="accent3">
+                    <a:lumMod val="60000"/>
+                    <a:lumOff val="40000"/>
+                  </a:schemeClr>
                 </a:solidFill>
                 <a:latin typeface="마루 부리OTF 조금굵은" panose="020B0600000101010101" pitchFamily="34" charset="-127"/>
                 <a:ea typeface="마루 부리OTF 조금굵은" panose="020B0600000101010101" pitchFamily="34" charset="-127"/>
@@ -6835,18 +6948,24 @@
               <a:t>-L20Ultra </a:t>
             </a:r>
             <a:r>
-              <a:rPr lang="ko-KR" altLang="en-US" sz="1200" u="sng" dirty="0">
-                <a:solidFill>
-                  <a:schemeClr val="accent2"/>
+              <a:rPr lang="ko-KR" altLang="en-US" sz="1200" dirty="0">
+                <a:solidFill>
+                  <a:schemeClr val="accent3">
+                    <a:lumMod val="60000"/>
+                    <a:lumOff val="40000"/>
+                  </a:schemeClr>
                 </a:solidFill>
                 <a:latin typeface="마루 부리OTF 조금굵은" panose="020B0600000101010101" pitchFamily="34" charset="-127"/>
                 <a:ea typeface="마루 부리OTF 조금굵은" panose="020B0600000101010101" pitchFamily="34" charset="-127"/>
               </a:rPr>
               <a:t>제품이 빙글빙글 돌아요 </a:t>
             </a:r>
-            <a:endParaRPr lang="en-US" altLang="ko-KR" sz="1200" u="sng" dirty="0">
+            <a:endParaRPr lang="en-US" altLang="ko-KR" sz="1200" dirty="0">
               <a:solidFill>
-                <a:schemeClr val="accent2"/>
+                <a:schemeClr val="accent3">
+                  <a:lumMod val="60000"/>
+                  <a:lumOff val="40000"/>
+                </a:schemeClr>
               </a:solidFill>
               <a:latin typeface="마루 부리OTF 조금굵은" panose="020B0600000101010101" pitchFamily="34" charset="-127"/>
               <a:ea typeface="마루 부리OTF 조금굵은" panose="020B0600000101010101" pitchFamily="34" charset="-127"/>
@@ -6854,9 +6973,12 @@
           </a:p>
           <a:p>
             <a:r>
-              <a:rPr lang="en-US" altLang="ko-KR" sz="1200" u="sng" dirty="0">
-                <a:solidFill>
-                  <a:schemeClr val="accent2"/>
+              <a:rPr lang="en-US" altLang="ko-KR" sz="1200" dirty="0">
+                <a:solidFill>
+                  <a:schemeClr val="accent3">
+                    <a:lumMod val="60000"/>
+                    <a:lumOff val="40000"/>
+                  </a:schemeClr>
                 </a:solidFill>
                 <a:latin typeface="마루 부리OTF 조금굵은" panose="020B0600000101010101" pitchFamily="34" charset="-127"/>
                 <a:ea typeface="마루 부리OTF 조금굵은" panose="020B0600000101010101" pitchFamily="34" charset="-127"/>
@@ -6864,9 +6986,12 @@
               <a:t>-X50master </a:t>
             </a:r>
             <a:r>
-              <a:rPr lang="ko-KR" altLang="en-US" sz="1200" u="sng" dirty="0">
-                <a:solidFill>
-                  <a:schemeClr val="accent2"/>
+              <a:rPr lang="ko-KR" altLang="en-US" sz="1200" dirty="0">
+                <a:solidFill>
+                  <a:schemeClr val="accent3">
+                    <a:lumMod val="60000"/>
+                    <a:lumOff val="40000"/>
+                  </a:schemeClr>
                 </a:solidFill>
                 <a:latin typeface="마루 부리OTF 조금굵은" panose="020B0600000101010101" pitchFamily="34" charset="-127"/>
                 <a:ea typeface="마루 부리OTF 조금굵은" panose="020B0600000101010101" pitchFamily="34" charset="-127"/>
@@ -6874,9 +6999,12 @@
               <a:t>직 배수 연결 없이 사용 가능한가요</a:t>
             </a:r>
             <a:r>
-              <a:rPr lang="en-US" altLang="ko-KR" sz="1200" u="sng" dirty="0">
-                <a:solidFill>
-                  <a:schemeClr val="accent2"/>
+              <a:rPr lang="en-US" altLang="ko-KR" sz="1200" dirty="0">
+                <a:solidFill>
+                  <a:schemeClr val="accent3">
+                    <a:lumMod val="60000"/>
+                    <a:lumOff val="40000"/>
+                  </a:schemeClr>
                 </a:solidFill>
                 <a:latin typeface="마루 부리OTF 조금굵은" panose="020B0600000101010101" pitchFamily="34" charset="-127"/>
                 <a:ea typeface="마루 부리OTF 조금굵은" panose="020B0600000101010101" pitchFamily="34" charset="-127"/>
@@ -6886,9 +7014,12 @@
           </a:p>
           <a:p>
             <a:r>
-              <a:rPr lang="en-US" altLang="ko-KR" sz="1200" u="sng" dirty="0">
-                <a:solidFill>
-                  <a:schemeClr val="accent2"/>
+              <a:rPr lang="en-US" altLang="ko-KR" sz="1200" dirty="0">
+                <a:solidFill>
+                  <a:schemeClr val="accent3">
+                    <a:lumMod val="60000"/>
+                    <a:lumOff val="40000"/>
+                  </a:schemeClr>
                 </a:solidFill>
                 <a:latin typeface="마루 부리OTF 조금굵은" panose="020B0600000101010101" pitchFamily="34" charset="-127"/>
                 <a:ea typeface="마루 부리OTF 조금굵은" panose="020B0600000101010101" pitchFamily="34" charset="-127"/>
@@ -6896,9 +7027,12 @@
               <a:t>-L10Pro </a:t>
             </a:r>
             <a:r>
-              <a:rPr lang="ko-KR" altLang="en-US" sz="1200" u="sng" dirty="0">
-                <a:solidFill>
-                  <a:schemeClr val="accent2"/>
+              <a:rPr lang="ko-KR" altLang="en-US" sz="1200" dirty="0">
+                <a:solidFill>
+                  <a:schemeClr val="accent3">
+                    <a:lumMod val="60000"/>
+                    <a:lumOff val="40000"/>
+                  </a:schemeClr>
                 </a:solidFill>
                 <a:latin typeface="마루 부리OTF 조금굵은" panose="020B0600000101010101" pitchFamily="34" charset="-127"/>
                 <a:ea typeface="마루 부리OTF 조금굵은" panose="020B0600000101010101" pitchFamily="34" charset="-127"/>
@@ -6916,193 +7050,143 @@
                 <a:ea typeface="마루 부리OTF 조금굵은" panose="020B0600000101010101" pitchFamily="34" charset="-127"/>
               </a:rPr>
             </a:br>
+            <a:endParaRPr lang="en-US" altLang="ko-KR" sz="1200" dirty="0">
+              <a:solidFill>
+                <a:schemeClr val="tx1">
+                  <a:lumMod val="95000"/>
+                </a:schemeClr>
+              </a:solidFill>
+              <a:latin typeface="마루 부리OTF 조금굵은" panose="020B0600000101010101" pitchFamily="34" charset="-127"/>
+              <a:ea typeface="마루 부리OTF 조금굵은" panose="020B0600000101010101" pitchFamily="34" charset="-127"/>
+            </a:endParaRPr>
+          </a:p>
+          <a:p>
+            <a:r>
+              <a:rPr lang="ko-KR" altLang="en-US" sz="1200" dirty="0">
+                <a:latin typeface="마루 부리OTF 조금굵은" panose="020B0600000101010101" pitchFamily="34" charset="-127"/>
+                <a:ea typeface="마루 부리OTF 조금굵은" panose="020B0600000101010101" pitchFamily="34" charset="-127"/>
+              </a:rPr>
+              <a:t>초기 버전의 특성상 등록된 데이터가 제한적이므로</a:t>
+            </a:r>
+            <a:r>
+              <a:rPr lang="en-US" altLang="ko-KR" sz="1200" dirty="0">
+                <a:latin typeface="마루 부리OTF 조금굵은" panose="020B0600000101010101" pitchFamily="34" charset="-127"/>
+                <a:ea typeface="마루 부리OTF 조금굵은" panose="020B0600000101010101" pitchFamily="34" charset="-127"/>
+              </a:rPr>
+              <a:t>,</a:t>
+            </a:r>
+          </a:p>
+          <a:p>
+            <a:r>
+              <a:rPr lang="ko-KR" altLang="en-US" sz="1200" dirty="0">
+                <a:latin typeface="마루 부리OTF 조금굵은" panose="020B0600000101010101" pitchFamily="34" charset="-127"/>
+                <a:ea typeface="마루 부리OTF 조금굵은" panose="020B0600000101010101" pitchFamily="34" charset="-127"/>
+              </a:rPr>
+              <a:t>일부 정보가 실제와 상이할 수 있습니다</a:t>
+            </a:r>
+            <a:r>
+              <a:rPr lang="en-US" altLang="ko-KR" sz="1200" dirty="0">
+                <a:latin typeface="마루 부리OTF 조금굵은" panose="020B0600000101010101" pitchFamily="34" charset="-127"/>
+                <a:ea typeface="마루 부리OTF 조금굵은" panose="020B0600000101010101" pitchFamily="34" charset="-127"/>
+              </a:rPr>
+              <a:t>.</a:t>
+            </a:r>
+          </a:p>
+          <a:p>
             <a:br>
               <a:rPr lang="en-US" altLang="ko-KR" sz="1200" dirty="0">
-                <a:solidFill>
-                  <a:schemeClr val="tx1">
-                    <a:lumMod val="95000"/>
-                  </a:schemeClr>
-                </a:solidFill>
                 <a:latin typeface="마루 부리OTF 조금굵은" panose="020B0600000101010101" pitchFamily="34" charset="-127"/>
                 <a:ea typeface="마루 부리OTF 조금굵은" panose="020B0600000101010101" pitchFamily="34" charset="-127"/>
               </a:rPr>
             </a:br>
             <a:r>
               <a:rPr lang="ko-KR" altLang="en-US" sz="1200" dirty="0">
-                <a:solidFill>
-                  <a:schemeClr val="tx1">
-                    <a:lumMod val="95000"/>
-                  </a:schemeClr>
-                </a:solidFill>
                 <a:latin typeface="마루 부리OTF 조금굵은" panose="020B0600000101010101" pitchFamily="34" charset="-127"/>
                 <a:ea typeface="마루 부리OTF 조금굵은" panose="020B0600000101010101" pitchFamily="34" charset="-127"/>
               </a:rPr>
-              <a:t>제품명만 올바르게 넣었다면 </a:t>
-            </a:r>
+              <a:t>이에 따라 제품에 대한 정보는 </a:t>
+            </a:r>
+            <a:endParaRPr lang="en-US" altLang="ko-KR" sz="1200" dirty="0">
+              <a:latin typeface="마루 부리OTF 조금굵은" panose="020B0600000101010101" pitchFamily="34" charset="-127"/>
+              <a:ea typeface="마루 부리OTF 조금굵은" panose="020B0600000101010101" pitchFamily="34" charset="-127"/>
+            </a:endParaRPr>
+          </a:p>
+          <a:p>
+            <a:r>
+              <a:rPr lang="ko-KR" altLang="en-US" sz="1200" dirty="0">
+                <a:latin typeface="마루 부리OTF 조금굵은" panose="020B0600000101010101" pitchFamily="34" charset="-127"/>
+                <a:ea typeface="마루 부리OTF 조금굵은" panose="020B0600000101010101" pitchFamily="34" charset="-127"/>
+              </a:rPr>
+              <a:t>사용 전 반드시 직접 확인 및 숙지해 주시기를 부탁드립니다</a:t>
+            </a:r>
+            <a:r>
+              <a:rPr lang="en-US" altLang="ko-KR" sz="1200" dirty="0">
+                <a:latin typeface="마루 부리OTF 조금굵은" panose="020B0600000101010101" pitchFamily="34" charset="-127"/>
+                <a:ea typeface="마루 부리OTF 조금굵은" panose="020B0600000101010101" pitchFamily="34" charset="-127"/>
+              </a:rPr>
+              <a:t>.</a:t>
+            </a:r>
+          </a:p>
+          <a:p>
             <a:br>
               <a:rPr lang="en-US" altLang="ko-KR" sz="1200" dirty="0">
-                <a:solidFill>
-                  <a:schemeClr val="tx1">
-                    <a:lumMod val="95000"/>
-                  </a:schemeClr>
-                </a:solidFill>
                 <a:latin typeface="마루 부리OTF 조금굵은" panose="020B0600000101010101" pitchFamily="34" charset="-127"/>
                 <a:ea typeface="마루 부리OTF 조금굵은" panose="020B0600000101010101" pitchFamily="34" charset="-127"/>
               </a:rPr>
             </a:br>
             <a:r>
               <a:rPr lang="ko-KR" altLang="en-US" sz="1200" dirty="0">
-                <a:solidFill>
-                  <a:schemeClr val="tx1">
-                    <a:lumMod val="95000"/>
-                  </a:schemeClr>
-                </a:solidFill>
                 <a:latin typeface="마루 부리OTF 조금굵은" panose="020B0600000101010101" pitchFamily="34" charset="-127"/>
                 <a:ea typeface="마루 부리OTF 조금굵은" panose="020B0600000101010101" pitchFamily="34" charset="-127"/>
               </a:rPr>
-              <a:t>최소한의 오차</a:t>
+              <a:t>정확한 활용을 위한 사용자의 검증이 매우 중요합니다</a:t>
             </a:r>
             <a:r>
               <a:rPr lang="en-US" altLang="ko-KR" sz="1200" dirty="0">
-                <a:solidFill>
-                  <a:schemeClr val="tx1">
-                    <a:lumMod val="95000"/>
-                  </a:schemeClr>
-                </a:solidFill>
                 <a:latin typeface="마루 부리OTF 조금굵은" panose="020B0600000101010101" pitchFamily="34" charset="-127"/>
                 <a:ea typeface="마루 부리OTF 조금굵은" panose="020B0600000101010101" pitchFamily="34" charset="-127"/>
               </a:rPr>
-              <a:t>,ai</a:t>
-            </a:r>
-            <a:r>
-              <a:rPr lang="ko-KR" altLang="en-US" sz="1200" dirty="0">
-                <a:solidFill>
-                  <a:schemeClr val="tx1">
-                    <a:lumMod val="95000"/>
-                  </a:schemeClr>
-                </a:solidFill>
-                <a:latin typeface="마루 부리OTF 조금굵은" panose="020B0600000101010101" pitchFamily="34" charset="-127"/>
-                <a:ea typeface="마루 부리OTF 조금굵은" panose="020B0600000101010101" pitchFamily="34" charset="-127"/>
-              </a:rPr>
-              <a:t>특성상 거짓된 정보를 일부 피할 수 있습니다</a:t>
-            </a:r>
-            <a:r>
-              <a:rPr lang="en-US" altLang="ko-KR" sz="1200" dirty="0">
-                <a:solidFill>
-                  <a:schemeClr val="tx1">
-                    <a:lumMod val="95000"/>
-                  </a:schemeClr>
-                </a:solidFill>
-                <a:latin typeface="마루 부리OTF 조금굵은" panose="020B0600000101010101" pitchFamily="34" charset="-127"/>
-                <a:ea typeface="마루 부리OTF 조금굵은" panose="020B0600000101010101" pitchFamily="34" charset="-127"/>
-              </a:rPr>
-              <a:t>. </a:t>
-            </a:r>
-            <a:br>
-              <a:rPr lang="en-US" altLang="ko-KR" sz="1200" dirty="0">
-                <a:latin typeface="한컴 울주 천전리 각석체" panose="020B0503000000000000" pitchFamily="50" charset="-127"/>
-                <a:ea typeface="한컴 울주 천전리 각석체" panose="020B0503000000000000" pitchFamily="50" charset="-127"/>
-              </a:rPr>
-            </a:br>
-            <a:endParaRPr lang="ko-KR" altLang="en-US" sz="1200" dirty="0">
-              <a:latin typeface="한컴 울주 천전리 각석체" panose="020B0503000000000000" pitchFamily="50" charset="-127"/>
-              <a:ea typeface="한컴 울주 천전리 각석체" panose="020B0503000000000000" pitchFamily="50" charset="-127"/>
-            </a:endParaRPr>
-          </a:p>
-        </p:txBody>
-      </p:sp>
-      <p:sp>
-        <p:nvSpPr>
-          <p:cNvPr id="20" name="TextBox 19">
+              <a:t>.</a:t>
+            </a:r>
+          </a:p>
+        </p:txBody>
+      </p:sp>
+      <p:pic>
+        <p:nvPicPr>
+          <p:cNvPr id="4" name="그림 3" descr="그래픽, 폰트, 로고, 그래픽 디자인이(가) 표시된 사진&#10;&#10;AI가 생성한 콘텐츠는 부정확할 수 있습니다.">
             <a:extLst>
               <a:ext uri="{FF2B5EF4-FFF2-40B4-BE49-F238E27FC236}">
-                <a16:creationId xmlns:a16="http://schemas.microsoft.com/office/drawing/2014/main" id="{C04D2646-5D6A-1245-F0B4-4B8E38681FDE}"/>
+                <a16:creationId xmlns:a16="http://schemas.microsoft.com/office/drawing/2014/main" id="{FFC54779-5E46-F046-72F2-1E8EDE66CAF1}"/>
               </a:ext>
             </a:extLst>
           </p:cNvPr>
-          <p:cNvSpPr txBox="1"/>
+          <p:cNvPicPr>
+            <a:picLocks noChangeAspect="1"/>
+          </p:cNvPicPr>
           <p:nvPr/>
-        </p:nvSpPr>
+        </p:nvPicPr>
+        <p:blipFill>
+          <a:blip r:embed="rId3">
+            <a:extLst>
+              <a:ext uri="{28A0092B-C50C-407E-A947-70E740481C1C}">
+                <a14:useLocalDpi xmlns:a14="http://schemas.microsoft.com/office/drawing/2010/main" val="0"/>
+              </a:ext>
+            </a:extLst>
+          </a:blip>
+          <a:stretch>
+            <a:fillRect/>
+          </a:stretch>
+        </p:blipFill>
         <p:spPr>
           <a:xfrm>
-            <a:off x="6228194" y="545687"/>
-            <a:ext cx="5751370" cy="646331"/>
+            <a:off x="10926618" y="0"/>
+            <a:ext cx="1265382" cy="664326"/>
           </a:xfrm>
           <a:prstGeom prst="rect">
             <a:avLst/>
           </a:prstGeom>
-          <a:noFill/>
         </p:spPr>
-        <p:txBody>
-          <a:bodyPr wrap="square">
-            <a:spAutoFit/>
-          </a:bodyPr>
-          <a:lstStyle/>
-          <a:p>
-            <a:r>
-              <a:rPr lang="ko-KR" altLang="en-US" sz="1800" dirty="0">
-                <a:latin typeface="마루 부리OTF 조금굵은" panose="020B0600000101010101" pitchFamily="34" charset="-127"/>
-                <a:ea typeface="마루 부리OTF 조금굵은" panose="020B0600000101010101" pitchFamily="34" charset="-127"/>
-              </a:rPr>
-              <a:t>표시된 공간박스 안에 고객 문의를 넣을 경우 </a:t>
-            </a:r>
-            <a:r>
-              <a:rPr lang="en-US" altLang="ko-KR" sz="1800" dirty="0">
-                <a:latin typeface="마루 부리OTF 조금굵은" panose="020B0600000101010101" pitchFamily="34" charset="-127"/>
-                <a:ea typeface="마루 부리OTF 조금굵은" panose="020B0600000101010101" pitchFamily="34" charset="-127"/>
-              </a:rPr>
-              <a:t>,</a:t>
-            </a:r>
-            <a:br>
-              <a:rPr lang="en-US" altLang="ko-KR" sz="1800" dirty="0">
-                <a:latin typeface="마루 부리OTF 조금굵은" panose="020B0600000101010101" pitchFamily="34" charset="-127"/>
-                <a:ea typeface="마루 부리OTF 조금굵은" panose="020B0600000101010101" pitchFamily="34" charset="-127"/>
-              </a:rPr>
-            </a:br>
-            <a:r>
-              <a:rPr lang="ko-KR" altLang="en-US" sz="1800" dirty="0">
-                <a:latin typeface="마루 부리OTF 조금굵은" panose="020B0600000101010101" pitchFamily="34" charset="-127"/>
-                <a:ea typeface="마루 부리OTF 조금굵은" panose="020B0600000101010101" pitchFamily="34" charset="-127"/>
-              </a:rPr>
-              <a:t>하단에 위치한  📪 </a:t>
-            </a:r>
-            <a:r>
-              <a:rPr lang="ko-KR" altLang="en-US" sz="1800" dirty="0">
-                <a:solidFill>
-                  <a:srgbClr val="FFC000"/>
-                </a:solidFill>
-                <a:latin typeface="마루 부리OTF 조금굵은" panose="020B0600000101010101" pitchFamily="34" charset="-127"/>
-                <a:ea typeface="마루 부리OTF 조금굵은" panose="020B0600000101010101" pitchFamily="34" charset="-127"/>
-              </a:rPr>
-              <a:t>응답결과</a:t>
-            </a:r>
-            <a:r>
-              <a:rPr lang="en-US" altLang="ko-KR" dirty="0">
-                <a:solidFill>
-                  <a:srgbClr val="FFC000"/>
-                </a:solidFill>
-                <a:latin typeface="마루 부리OTF 조금굵은" panose="020B0600000101010101" pitchFamily="34" charset="-127"/>
-                <a:ea typeface="마루 부리OTF 조금굵은" panose="020B0600000101010101" pitchFamily="34" charset="-127"/>
-              </a:rPr>
-              <a:t> </a:t>
-            </a:r>
-            <a:r>
-              <a:rPr lang="ko-KR" altLang="en-US" sz="1800" dirty="0">
-                <a:latin typeface="마루 부리OTF 조금굵은" panose="020B0600000101010101" pitchFamily="34" charset="-127"/>
-                <a:ea typeface="마루 부리OTF 조금굵은" panose="020B0600000101010101" pitchFamily="34" charset="-127"/>
-              </a:rPr>
-              <a:t>에 고객 답변이 도출됩니다</a:t>
-            </a:r>
-            <a:r>
-              <a:rPr lang="en-US" altLang="ko-KR" sz="1800" dirty="0">
-                <a:latin typeface="마루 부리OTF 조금굵은" panose="020B0600000101010101" pitchFamily="34" charset="-127"/>
-                <a:ea typeface="마루 부리OTF 조금굵은" panose="020B0600000101010101" pitchFamily="34" charset="-127"/>
-              </a:rPr>
-              <a:t>. </a:t>
-            </a:r>
-          </a:p>
-        </p:txBody>
-      </p:sp>
+      </p:pic>
     </p:spTree>
     <p:extLst>
       <p:ext uri="{BB962C8B-B14F-4D97-AF65-F5344CB8AC3E}">
@@ -7187,6 +7271,42 @@
           </a:p>
         </p:txBody>
       </p:sp>
+      <p:pic>
+        <p:nvPicPr>
+          <p:cNvPr id="3" name="그림 2" descr="그래픽, 폰트, 로고, 그래픽 디자인이(가) 표시된 사진&#10;&#10;AI가 생성한 콘텐츠는 부정확할 수 있습니다.">
+            <a:extLst>
+              <a:ext uri="{FF2B5EF4-FFF2-40B4-BE49-F238E27FC236}">
+                <a16:creationId xmlns:a16="http://schemas.microsoft.com/office/drawing/2014/main" id="{C3F378D3-9283-58F8-D7C9-FAE53748DAFF}"/>
+              </a:ext>
+            </a:extLst>
+          </p:cNvPr>
+          <p:cNvPicPr>
+            <a:picLocks noChangeAspect="1"/>
+          </p:cNvPicPr>
+          <p:nvPr/>
+        </p:nvPicPr>
+        <p:blipFill>
+          <a:blip r:embed="rId2">
+            <a:extLst>
+              <a:ext uri="{28A0092B-C50C-407E-A947-70E740481C1C}">
+                <a14:useLocalDpi xmlns:a14="http://schemas.microsoft.com/office/drawing/2010/main" val="0"/>
+              </a:ext>
+            </a:extLst>
+          </a:blip>
+          <a:stretch>
+            <a:fillRect/>
+          </a:stretch>
+        </p:blipFill>
+        <p:spPr>
+          <a:xfrm>
+            <a:off x="10926618" y="0"/>
+            <a:ext cx="1265382" cy="664326"/>
+          </a:xfrm>
+          <a:prstGeom prst="rect">
+            <a:avLst/>
+          </a:prstGeom>
+        </p:spPr>
+      </p:pic>
     </p:spTree>
     <p:extLst>
       <p:ext uri="{BB962C8B-B14F-4D97-AF65-F5344CB8AC3E}">

--- a/agentforum/agentforumguide.pptx
+++ b/agentforum/agentforumguide.pptx
@@ -6397,12 +6397,12 @@
         </p:nvCxnSpPr>
         <p:spPr>
           <a:xfrm rot="5400000" flipH="1" flipV="1">
-            <a:off x="4568824" y="1684194"/>
-            <a:ext cx="2410692" cy="908050"/>
+            <a:off x="4691786" y="1424996"/>
+            <a:ext cx="2546929" cy="1290212"/>
           </a:xfrm>
           <a:prstGeom prst="bentConnector3">
             <a:avLst>
-              <a:gd name="adj1" fmla="val 100192"/>
+              <a:gd name="adj1" fmla="val 100046"/>
             </a:avLst>
           </a:prstGeom>
           <a:ln w="38100">
@@ -6493,8 +6493,8 @@
         </p:nvSpPr>
         <p:spPr>
           <a:xfrm>
-            <a:off x="6228193" y="664326"/>
-            <a:ext cx="5963807" cy="5940088"/>
+            <a:off x="6613237" y="560125"/>
+            <a:ext cx="5317261" cy="6309420"/>
           </a:xfrm>
           <a:prstGeom prst="rect">
             <a:avLst/>
@@ -6576,6 +6576,13 @@
             </a:endParaRPr>
           </a:p>
           <a:p>
+            <a:endParaRPr lang="en-US" altLang="ko-KR" sz="1200" dirty="0">
+              <a:latin typeface="마루 부리OTF 조금굵은" panose="020B0600000101010101" pitchFamily="34" charset="-127"/>
+              <a:ea typeface="마루 부리OTF 조금굵은" panose="020B0600000101010101" pitchFamily="34" charset="-127"/>
+            </a:endParaRPr>
+          </a:p>
+          <a:p>
+            <a:pPr algn="ctr"/>
             <a:r>
               <a:rPr lang="ko-KR" altLang="en-US" sz="1200" dirty="0">
                 <a:latin typeface="마루 부리OTF 조금굵은" panose="020B0600000101010101" pitchFamily="34" charset="-127"/>
@@ -6779,6 +6786,7 @@
             </a:r>
           </a:p>
           <a:p>
+            <a:pPr algn="ctr"/>
             <a:r>
               <a:rPr lang="ko-KR" altLang="en-US" sz="1200" dirty="0" err="1">
                 <a:solidFill>
@@ -6802,6 +6810,7 @@
             </a:endParaRPr>
           </a:p>
           <a:p>
+            <a:pPr algn="ctr"/>
             <a:r>
               <a:rPr lang="ko-KR" altLang="en-US" sz="1200" dirty="0" err="1">
                 <a:solidFill>
@@ -6839,6 +6848,7 @@
             </a:endParaRPr>
           </a:p>
           <a:p>
+            <a:pPr algn="ctr"/>
             <a:br>
               <a:rPr lang="en-US" altLang="ko-KR" sz="1200" dirty="0">
                 <a:latin typeface="마루 부리OTF 조금굵은" panose="020B0600000101010101" pitchFamily="34" charset="-127"/>
@@ -6861,6 +6871,7 @@
             </a:r>
           </a:p>
           <a:p>
+            <a:pPr algn="ctr"/>
             <a:r>
               <a:rPr lang="ko-KR" altLang="en-US" sz="1200" dirty="0">
                 <a:latin typeface="마루 부리OTF 조금굵은" panose="020B0600000101010101" pitchFamily="34" charset="-127"/>
@@ -6881,6 +6892,12 @@
                 <a:ea typeface="마루 부리OTF 조금굵은" panose="020B0600000101010101" pitchFamily="34" charset="-127"/>
               </a:rPr>
             </a:br>
+            <a:endParaRPr lang="en-US" altLang="ko-KR" sz="1200" dirty="0">
+              <a:latin typeface="마루 부리OTF 조금굵은" panose="020B0600000101010101" pitchFamily="34" charset="-127"/>
+              <a:ea typeface="마루 부리OTF 조금굵은" panose="020B0600000101010101" pitchFamily="34" charset="-127"/>
+            </a:endParaRPr>
+          </a:p>
+          <a:p>
             <a:br>
               <a:rPr lang="en-US" altLang="ko-KR" sz="1200" dirty="0">
                 <a:latin typeface="마루 부리OTF 조금굵은" panose="020B0600000101010101" pitchFamily="34" charset="-127"/>

--- a/agentforum/agentforumguide.pptx
+++ b/agentforum/agentforumguide.pptx
@@ -5,9 +5,10 @@
     <p:sldMasterId id="2147483856" r:id="rId1"/>
   </p:sldMasterIdLst>
   <p:sldIdLst>
-    <p:sldId id="256" r:id="rId2"/>
-    <p:sldId id="257" r:id="rId3"/>
-    <p:sldId id="258" r:id="rId4"/>
+    <p:sldId id="259" r:id="rId2"/>
+    <p:sldId id="256" r:id="rId3"/>
+    <p:sldId id="257" r:id="rId4"/>
+    <p:sldId id="258" r:id="rId5"/>
   </p:sldIdLst>
   <p:sldSz cx="12192000" cy="6858000"/>
   <p:notesSz cx="6858000" cy="9144000"/>
@@ -6009,6 +6010,193 @@
   <p:cSld>
     <p:spTree>
       <p:nvGrpSpPr>
+        <p:cNvPr id="1" name="">
+          <a:extLst>
+            <a:ext uri="{FF2B5EF4-FFF2-40B4-BE49-F238E27FC236}">
+              <a16:creationId xmlns:a16="http://schemas.microsoft.com/office/drawing/2014/main" id="{61244860-B216-C65C-8CA6-82ADB5E1551F}"/>
+            </a:ext>
+          </a:extLst>
+        </p:cNvPr>
+        <p:cNvGrpSpPr/>
+        <p:nvPr/>
+      </p:nvGrpSpPr>
+      <p:grpSpPr>
+        <a:xfrm>
+          <a:off x="0" y="0"/>
+          <a:ext cx="0" cy="0"/>
+          <a:chOff x="0" y="0"/>
+          <a:chExt cx="0" cy="0"/>
+        </a:xfrm>
+      </p:grpSpPr>
+      <p:sp>
+        <p:nvSpPr>
+          <p:cNvPr id="2" name="TextBox 1">
+            <a:extLst>
+              <a:ext uri="{FF2B5EF4-FFF2-40B4-BE49-F238E27FC236}">
+                <a16:creationId xmlns:a16="http://schemas.microsoft.com/office/drawing/2014/main" id="{256E99B6-DD2C-2D9B-00F2-40F4EF8B7C23}"/>
+              </a:ext>
+            </a:extLst>
+          </p:cNvPr>
+          <p:cNvSpPr txBox="1"/>
+          <p:nvPr/>
+        </p:nvSpPr>
+        <p:spPr>
+          <a:xfrm>
+            <a:off x="3480954" y="3228945"/>
+            <a:ext cx="5230091" cy="400110"/>
+          </a:xfrm>
+          <a:prstGeom prst="rect">
+            <a:avLst/>
+          </a:prstGeom>
+          <a:noFill/>
+        </p:spPr>
+        <p:txBody>
+          <a:bodyPr wrap="square" rtlCol="0">
+            <a:spAutoFit/>
+          </a:bodyPr>
+          <a:lstStyle/>
+          <a:p>
+            <a:r>
+              <a:rPr lang="ko-KR" altLang="en-US" sz="2000" dirty="0" err="1">
+                <a:latin typeface="한컴 울주 천전리 각석체" panose="020B0503000000000000" pitchFamily="50" charset="-127"/>
+                <a:ea typeface="한컴 울주 천전리 각석체" panose="020B0503000000000000" pitchFamily="50" charset="-127"/>
+              </a:rPr>
+              <a:t>드리미</a:t>
+            </a:r>
+            <a:r>
+              <a:rPr lang="ko-KR" altLang="en-US" sz="2000" dirty="0">
+                <a:latin typeface="한컴 울주 천전리 각석체" panose="020B0503000000000000" pitchFamily="50" charset="-127"/>
+                <a:ea typeface="한컴 울주 천전리 각석체" panose="020B0503000000000000" pitchFamily="50" charset="-127"/>
+              </a:rPr>
+              <a:t> 상담원 포털 </a:t>
+            </a:r>
+            <a:r>
+              <a:rPr lang="en-US" altLang="ko-KR" sz="2000" dirty="0">
+                <a:latin typeface="한컴 울주 천전리 각석체" panose="020B0503000000000000" pitchFamily="50" charset="-127"/>
+                <a:ea typeface="한컴 울주 천전리 각석체" panose="020B0503000000000000" pitchFamily="50" charset="-127"/>
+              </a:rPr>
+              <a:t>_</a:t>
+            </a:r>
+            <a:r>
+              <a:rPr lang="en-US" altLang="ko-KR" sz="2000" dirty="0">
+                <a:solidFill>
+                  <a:srgbClr val="FFC000"/>
+                </a:solidFill>
+                <a:latin typeface="한컴 울주 천전리 각석체" panose="020B0503000000000000" pitchFamily="50" charset="-127"/>
+                <a:ea typeface="한컴 울주 천전리 각석체" panose="020B0503000000000000" pitchFamily="50" charset="-127"/>
+              </a:rPr>
+              <a:t>Ai </a:t>
+            </a:r>
+            <a:r>
+              <a:rPr lang="ko-KR" altLang="en-US" sz="2000" dirty="0">
+                <a:solidFill>
+                  <a:srgbClr val="FFC000"/>
+                </a:solidFill>
+                <a:latin typeface="한컴 울주 천전리 각석체" panose="020B0503000000000000" pitchFamily="50" charset="-127"/>
+                <a:ea typeface="한컴 울주 천전리 각석체" panose="020B0503000000000000" pitchFamily="50" charset="-127"/>
+              </a:rPr>
+              <a:t>비서 </a:t>
+            </a:r>
+            <a:r>
+              <a:rPr lang="ko-KR" altLang="en-US" sz="2000" dirty="0">
+                <a:latin typeface="한컴 울주 천전리 각석체" panose="020B0503000000000000" pitchFamily="50" charset="-127"/>
+                <a:ea typeface="한컴 울주 천전리 각석체" panose="020B0503000000000000" pitchFamily="50" charset="-127"/>
+              </a:rPr>
+              <a:t>사용방법 안내서 </a:t>
+            </a:r>
+          </a:p>
+        </p:txBody>
+      </p:sp>
+      <p:pic>
+        <p:nvPicPr>
+          <p:cNvPr id="3" name="그림 2" descr="그래픽, 폰트, 로고, 그래픽 디자인이(가) 표시된 사진&#10;&#10;AI가 생성한 콘텐츠는 부정확할 수 있습니다.">
+            <a:extLst>
+              <a:ext uri="{FF2B5EF4-FFF2-40B4-BE49-F238E27FC236}">
+                <a16:creationId xmlns:a16="http://schemas.microsoft.com/office/drawing/2014/main" id="{BE8A1C23-4961-1864-46E1-1835FFD31BDE}"/>
+              </a:ext>
+            </a:extLst>
+          </p:cNvPr>
+          <p:cNvPicPr>
+            <a:picLocks noChangeAspect="1"/>
+          </p:cNvPicPr>
+          <p:nvPr/>
+        </p:nvPicPr>
+        <p:blipFill>
+          <a:blip r:embed="rId2">
+            <a:extLst>
+              <a:ext uri="{28A0092B-C50C-407E-A947-70E740481C1C}">
+                <a14:useLocalDpi xmlns:a14="http://schemas.microsoft.com/office/drawing/2010/main" val="0"/>
+              </a:ext>
+            </a:extLst>
+          </a:blip>
+          <a:stretch>
+            <a:fillRect/>
+          </a:stretch>
+        </p:blipFill>
+        <p:spPr>
+          <a:xfrm>
+            <a:off x="10926618" y="0"/>
+            <a:ext cx="1265382" cy="664326"/>
+          </a:xfrm>
+          <a:prstGeom prst="rect">
+            <a:avLst/>
+          </a:prstGeom>
+        </p:spPr>
+      </p:pic>
+      <p:sp>
+        <p:nvSpPr>
+          <p:cNvPr id="4" name="TextBox 3">
+            <a:extLst>
+              <a:ext uri="{FF2B5EF4-FFF2-40B4-BE49-F238E27FC236}">
+                <a16:creationId xmlns:a16="http://schemas.microsoft.com/office/drawing/2014/main" id="{32F41357-CB66-6A42-9DE6-C0BD0B84524D}"/>
+              </a:ext>
+            </a:extLst>
+          </p:cNvPr>
+          <p:cNvSpPr txBox="1"/>
+          <p:nvPr/>
+        </p:nvSpPr>
+        <p:spPr>
+          <a:xfrm>
+            <a:off x="11896436" y="6488668"/>
+            <a:ext cx="295564" cy="369332"/>
+          </a:xfrm>
+          <a:prstGeom prst="rect">
+            <a:avLst/>
+          </a:prstGeom>
+          <a:noFill/>
+        </p:spPr>
+        <p:txBody>
+          <a:bodyPr wrap="square" rtlCol="0">
+            <a:spAutoFit/>
+          </a:bodyPr>
+          <a:lstStyle/>
+          <a:p>
+            <a:r>
+              <a:rPr lang="en-US" altLang="ko-KR" dirty="0"/>
+              <a:t>1</a:t>
+            </a:r>
+            <a:endParaRPr lang="ko-KR" altLang="en-US" dirty="0"/>
+          </a:p>
+        </p:txBody>
+      </p:sp>
+    </p:spTree>
+    <p:extLst>
+      <p:ext uri="{BB962C8B-B14F-4D97-AF65-F5344CB8AC3E}">
+        <p14:creationId xmlns:p14="http://schemas.microsoft.com/office/powerpoint/2010/main" val="1937946352"/>
+      </p:ext>
+    </p:extLst>
+  </p:cSld>
+  <p:clrMapOvr>
+    <a:masterClrMapping/>
+  </p:clrMapOvr>
+</p:sld>
+</file>
+
+<file path=ppt/slides/slide2.xml><?xml version="1.0" encoding="utf-8"?>
+<p:sld xmlns:a="http://schemas.openxmlformats.org/drawingml/2006/main" xmlns:r="http://schemas.openxmlformats.org/officeDocument/2006/relationships" xmlns:p="http://schemas.openxmlformats.org/presentationml/2006/main">
+  <p:cSld>
+    <p:spTree>
+      <p:nvGrpSpPr>
         <p:cNvPr id="1" name=""/>
         <p:cNvGrpSpPr/>
         <p:nvPr/>
@@ -6079,7 +6267,7 @@
           <a:prstGeom prst="straightConnector1">
             <a:avLst/>
           </a:prstGeom>
-          <a:ln w="38100">
+          <a:ln w="3175">
             <a:solidFill>
               <a:srgbClr val="FFC000"/>
             </a:solidFill>
@@ -6218,58 +6406,6 @@
               <a:latin typeface="마루 부리OTF 조금굵은" panose="020B0600000101010101" pitchFamily="34" charset="-127"/>
               <a:ea typeface="마루 부리OTF 조금굵은" panose="020B0600000101010101" pitchFamily="34" charset="-127"/>
             </a:endParaRPr>
-          </a:p>
-        </p:txBody>
-      </p:sp>
-      <p:sp>
-        <p:nvSpPr>
-          <p:cNvPr id="21" name="직사각형 20">
-            <a:extLst>
-              <a:ext uri="{FF2B5EF4-FFF2-40B4-BE49-F238E27FC236}">
-                <a16:creationId xmlns:a16="http://schemas.microsoft.com/office/drawing/2014/main" id="{1CA3F530-4F48-21A2-42EB-90DBF5590B59}"/>
-              </a:ext>
-            </a:extLst>
-          </p:cNvPr>
-          <p:cNvSpPr/>
-          <p:nvPr/>
-        </p:nvSpPr>
-        <p:spPr>
-          <a:xfrm>
-            <a:off x="4719783" y="3121891"/>
-            <a:ext cx="2493818" cy="960582"/>
-          </a:xfrm>
-          <a:prstGeom prst="rect">
-            <a:avLst/>
-          </a:prstGeom>
-          <a:noFill/>
-          <a:ln w="38100">
-            <a:solidFill>
-              <a:srgbClr val="FFC000"/>
-            </a:solidFill>
-          </a:ln>
-        </p:spPr>
-        <p:style>
-          <a:lnRef idx="2">
-            <a:schemeClr val="accent1">
-              <a:shade val="15000"/>
-            </a:schemeClr>
-          </a:lnRef>
-          <a:fillRef idx="1">
-            <a:schemeClr val="accent1"/>
-          </a:fillRef>
-          <a:effectRef idx="0">
-            <a:schemeClr val="accent1"/>
-          </a:effectRef>
-          <a:fontRef idx="minor">
-            <a:schemeClr val="lt1"/>
-          </a:fontRef>
-        </p:style>
-        <p:txBody>
-          <a:bodyPr rtlCol="0" anchor="ctr"/>
-          <a:lstStyle/>
-          <a:p>
-            <a:pPr algn="ctr"/>
-            <a:endParaRPr lang="ko-KR" altLang="en-US"/>
           </a:p>
         </p:txBody>
       </p:sp>
@@ -6309,6 +6445,42 @@
           </a:prstGeom>
         </p:spPr>
       </p:pic>
+      <p:sp>
+        <p:nvSpPr>
+          <p:cNvPr id="3" name="TextBox 2">
+            <a:extLst>
+              <a:ext uri="{FF2B5EF4-FFF2-40B4-BE49-F238E27FC236}">
+                <a16:creationId xmlns:a16="http://schemas.microsoft.com/office/drawing/2014/main" id="{C03839F0-14BC-F6E3-06FB-21C0EB532208}"/>
+              </a:ext>
+            </a:extLst>
+          </p:cNvPr>
+          <p:cNvSpPr txBox="1"/>
+          <p:nvPr/>
+        </p:nvSpPr>
+        <p:spPr>
+          <a:xfrm>
+            <a:off x="11896436" y="6488668"/>
+            <a:ext cx="295564" cy="369332"/>
+          </a:xfrm>
+          <a:prstGeom prst="rect">
+            <a:avLst/>
+          </a:prstGeom>
+          <a:noFill/>
+        </p:spPr>
+        <p:txBody>
+          <a:bodyPr wrap="square" rtlCol="0">
+            <a:spAutoFit/>
+          </a:bodyPr>
+          <a:lstStyle/>
+          <a:p>
+            <a:r>
+              <a:rPr lang="en-US" altLang="ko-KR" dirty="0"/>
+              <a:t>2</a:t>
+            </a:r>
+            <a:endParaRPr lang="ko-KR" altLang="en-US" dirty="0"/>
+          </a:p>
+        </p:txBody>
+      </p:sp>
     </p:spTree>
     <p:extLst>
       <p:ext uri="{BB962C8B-B14F-4D97-AF65-F5344CB8AC3E}">
@@ -6322,7 +6494,7 @@
 </p:sld>
 </file>
 
-<file path=ppt/slides/slide2.xml><?xml version="1.0" encoding="utf-8"?>
+<file path=ppt/slides/slide3.xml><?xml version="1.0" encoding="utf-8"?>
 <p:sld xmlns:a="http://schemas.openxmlformats.org/drawingml/2006/main" xmlns:r="http://schemas.openxmlformats.org/officeDocument/2006/relationships" xmlns:p="http://schemas.openxmlformats.org/presentationml/2006/main">
   <p:cSld>
     <p:spTree>
@@ -6397,15 +6569,15 @@
         </p:nvCxnSpPr>
         <p:spPr>
           <a:xfrm rot="5400000" flipH="1" flipV="1">
-            <a:off x="4691786" y="1424996"/>
-            <a:ext cx="2546929" cy="1290212"/>
+            <a:off x="4644453" y="1463097"/>
+            <a:ext cx="2632362" cy="1299444"/>
           </a:xfrm>
           <a:prstGeom prst="bentConnector3">
             <a:avLst>
-              <a:gd name="adj1" fmla="val 100046"/>
+              <a:gd name="adj1" fmla="val 99825"/>
             </a:avLst>
           </a:prstGeom>
-          <a:ln w="38100">
+          <a:ln w="3175">
             <a:solidFill>
               <a:srgbClr val="FFC000"/>
             </a:solidFill>
@@ -6427,58 +6599,6 @@
           </a:fontRef>
         </p:style>
       </p:cxnSp>
-      <p:sp>
-        <p:nvSpPr>
-          <p:cNvPr id="14" name="직사각형 13">
-            <a:extLst>
-              <a:ext uri="{FF2B5EF4-FFF2-40B4-BE49-F238E27FC236}">
-                <a16:creationId xmlns:a16="http://schemas.microsoft.com/office/drawing/2014/main" id="{7E1BCF03-4722-FC06-7F94-E3D0C91ACD49}"/>
-              </a:ext>
-            </a:extLst>
-          </p:cNvPr>
-          <p:cNvSpPr/>
-          <p:nvPr/>
-        </p:nvSpPr>
-        <p:spPr>
-          <a:xfrm>
-            <a:off x="646546" y="3343564"/>
-            <a:ext cx="4673600" cy="979054"/>
-          </a:xfrm>
-          <a:prstGeom prst="rect">
-            <a:avLst/>
-          </a:prstGeom>
-          <a:noFill/>
-          <a:ln w="38100">
-            <a:solidFill>
-              <a:srgbClr val="FFC000"/>
-            </a:solidFill>
-          </a:ln>
-        </p:spPr>
-        <p:style>
-          <a:lnRef idx="2">
-            <a:schemeClr val="accent1">
-              <a:shade val="15000"/>
-            </a:schemeClr>
-          </a:lnRef>
-          <a:fillRef idx="1">
-            <a:schemeClr val="accent1"/>
-          </a:fillRef>
-          <a:effectRef idx="0">
-            <a:schemeClr val="accent1"/>
-          </a:effectRef>
-          <a:fontRef idx="minor">
-            <a:schemeClr val="lt1"/>
-          </a:fontRef>
-        </p:style>
-        <p:txBody>
-          <a:bodyPr rtlCol="0" anchor="ctr"/>
-          <a:lstStyle/>
-          <a:p>
-            <a:pPr algn="ctr"/>
-            <a:endParaRPr lang="ko-KR" altLang="en-US"/>
-          </a:p>
-        </p:txBody>
-      </p:sp>
       <p:sp>
         <p:nvSpPr>
           <p:cNvPr id="16" name="TextBox 15">
@@ -7204,6 +7324,42 @@
           </a:prstGeom>
         </p:spPr>
       </p:pic>
+      <p:sp>
+        <p:nvSpPr>
+          <p:cNvPr id="6" name="TextBox 5">
+            <a:extLst>
+              <a:ext uri="{FF2B5EF4-FFF2-40B4-BE49-F238E27FC236}">
+                <a16:creationId xmlns:a16="http://schemas.microsoft.com/office/drawing/2014/main" id="{99E3199E-6915-AA8D-6EA0-682B6388E3D5}"/>
+              </a:ext>
+            </a:extLst>
+          </p:cNvPr>
+          <p:cNvSpPr txBox="1"/>
+          <p:nvPr/>
+        </p:nvSpPr>
+        <p:spPr>
+          <a:xfrm>
+            <a:off x="11896436" y="6488668"/>
+            <a:ext cx="295564" cy="369332"/>
+          </a:xfrm>
+          <a:prstGeom prst="rect">
+            <a:avLst/>
+          </a:prstGeom>
+          <a:noFill/>
+        </p:spPr>
+        <p:txBody>
+          <a:bodyPr wrap="square" rtlCol="0">
+            <a:spAutoFit/>
+          </a:bodyPr>
+          <a:lstStyle/>
+          <a:p>
+            <a:r>
+              <a:rPr lang="en-US" altLang="ko-KR" dirty="0"/>
+              <a:t>3</a:t>
+            </a:r>
+            <a:endParaRPr lang="ko-KR" altLang="en-US" dirty="0"/>
+          </a:p>
+        </p:txBody>
+      </p:sp>
     </p:spTree>
     <p:extLst>
       <p:ext uri="{BB962C8B-B14F-4D97-AF65-F5344CB8AC3E}">
@@ -7217,7 +7373,7 @@
 </p:sld>
 </file>
 
-<file path=ppt/slides/slide3.xml><?xml version="1.0" encoding="utf-8"?>
+<file path=ppt/slides/slide4.xml><?xml version="1.0" encoding="utf-8"?>
 <p:sld xmlns:a="http://schemas.openxmlformats.org/drawingml/2006/main" xmlns:r="http://schemas.openxmlformats.org/officeDocument/2006/relationships" xmlns:p="http://schemas.openxmlformats.org/presentationml/2006/main">
   <p:cSld>
     <p:spTree>
